--- a/03_hw_design/01_design_justification/Presentation1.pptx
+++ b/03_hw_design/01_design_justification/Presentation1.pptx
@@ -11,6 +11,8 @@
     <p:sldId id="259" r:id="rId5"/>
     <p:sldId id="260" r:id="rId6"/>
     <p:sldId id="261" r:id="rId7"/>
+    <p:sldId id="262" r:id="rId8"/>
+    <p:sldId id="263" r:id="rId9"/>
   </p:sldIdLst>
   <p:sldSz cx="12192000" cy="6858000"/>
   <p:notesSz cx="6858000" cy="9144000"/>
@@ -364,7 +366,7 @@
           <a:p>
             <a:fld id="{42E44293-22E2-467B-974A-23AC2A8DE53C}" type="datetimeFigureOut">
               <a:rPr lang="en-US" smtClean="0"/>
-              <a:t>8/22/2025</a:t>
+              <a:t>9/3/2025</a:t>
             </a:fld>
             <a:endParaRPr lang="en-US"/>
           </a:p>
@@ -562,7 +564,7 @@
           <a:p>
             <a:fld id="{42E44293-22E2-467B-974A-23AC2A8DE53C}" type="datetimeFigureOut">
               <a:rPr lang="en-US" smtClean="0"/>
-              <a:t>8/22/2025</a:t>
+              <a:t>9/3/2025</a:t>
             </a:fld>
             <a:endParaRPr lang="en-US"/>
           </a:p>
@@ -770,7 +772,7 @@
           <a:p>
             <a:fld id="{42E44293-22E2-467B-974A-23AC2A8DE53C}" type="datetimeFigureOut">
               <a:rPr lang="en-US" smtClean="0"/>
-              <a:t>8/22/2025</a:t>
+              <a:t>9/3/2025</a:t>
             </a:fld>
             <a:endParaRPr lang="en-US"/>
           </a:p>
@@ -968,7 +970,7 @@
           <a:p>
             <a:fld id="{42E44293-22E2-467B-974A-23AC2A8DE53C}" type="datetimeFigureOut">
               <a:rPr lang="en-US" smtClean="0"/>
-              <a:t>8/22/2025</a:t>
+              <a:t>9/3/2025</a:t>
             </a:fld>
             <a:endParaRPr lang="en-US"/>
           </a:p>
@@ -1243,7 +1245,7 @@
           <a:p>
             <a:fld id="{42E44293-22E2-467B-974A-23AC2A8DE53C}" type="datetimeFigureOut">
               <a:rPr lang="en-US" smtClean="0"/>
-              <a:t>8/22/2025</a:t>
+              <a:t>9/3/2025</a:t>
             </a:fld>
             <a:endParaRPr lang="en-US"/>
           </a:p>
@@ -1508,7 +1510,7 @@
           <a:p>
             <a:fld id="{42E44293-22E2-467B-974A-23AC2A8DE53C}" type="datetimeFigureOut">
               <a:rPr lang="en-US" smtClean="0"/>
-              <a:t>8/22/2025</a:t>
+              <a:t>9/3/2025</a:t>
             </a:fld>
             <a:endParaRPr lang="en-US"/>
           </a:p>
@@ -1920,7 +1922,7 @@
           <a:p>
             <a:fld id="{42E44293-22E2-467B-974A-23AC2A8DE53C}" type="datetimeFigureOut">
               <a:rPr lang="en-US" smtClean="0"/>
-              <a:t>8/22/2025</a:t>
+              <a:t>9/3/2025</a:t>
             </a:fld>
             <a:endParaRPr lang="en-US"/>
           </a:p>
@@ -2061,7 +2063,7 @@
           <a:p>
             <a:fld id="{42E44293-22E2-467B-974A-23AC2A8DE53C}" type="datetimeFigureOut">
               <a:rPr lang="en-US" smtClean="0"/>
-              <a:t>8/22/2025</a:t>
+              <a:t>9/3/2025</a:t>
             </a:fld>
             <a:endParaRPr lang="en-US"/>
           </a:p>
@@ -2174,7 +2176,7 @@
           <a:p>
             <a:fld id="{42E44293-22E2-467B-974A-23AC2A8DE53C}" type="datetimeFigureOut">
               <a:rPr lang="en-US" smtClean="0"/>
-              <a:t>8/22/2025</a:t>
+              <a:t>9/3/2025</a:t>
             </a:fld>
             <a:endParaRPr lang="en-US"/>
           </a:p>
@@ -2485,7 +2487,7 @@
           <a:p>
             <a:fld id="{42E44293-22E2-467B-974A-23AC2A8DE53C}" type="datetimeFigureOut">
               <a:rPr lang="en-US" smtClean="0"/>
-              <a:t>8/22/2025</a:t>
+              <a:t>9/3/2025</a:t>
             </a:fld>
             <a:endParaRPr lang="en-US"/>
           </a:p>
@@ -2773,7 +2775,7 @@
           <a:p>
             <a:fld id="{42E44293-22E2-467B-974A-23AC2A8DE53C}" type="datetimeFigureOut">
               <a:rPr lang="en-US" smtClean="0"/>
-              <a:t>8/22/2025</a:t>
+              <a:t>9/3/2025</a:t>
             </a:fld>
             <a:endParaRPr lang="en-US"/>
           </a:p>
@@ -3014,7 +3016,7 @@
           <a:p>
             <a:fld id="{42E44293-22E2-467B-974A-23AC2A8DE53C}" type="datetimeFigureOut">
               <a:rPr lang="en-US" smtClean="0"/>
-              <a:t>8/22/2025</a:t>
+              <a:t>9/3/2025</a:t>
             </a:fld>
             <a:endParaRPr lang="en-US"/>
           </a:p>
@@ -5171,6 +5173,656 @@
     <p:extLst>
       <p:ext uri="{BB962C8B-B14F-4D97-AF65-F5344CB8AC3E}">
         <p14:creationId xmlns:p14="http://schemas.microsoft.com/office/powerpoint/2010/main" val="2467429473"/>
+      </p:ext>
+    </p:extLst>
+  </p:cSld>
+  <p:clrMapOvr>
+    <a:masterClrMapping/>
+  </p:clrMapOvr>
+</p:sld>
+</file>
+
+<file path=ppt/slides/slide7.xml><?xml version="1.0" encoding="utf-8"?>
+<p:sld xmlns:a="http://schemas.openxmlformats.org/drawingml/2006/main" xmlns:r="http://schemas.openxmlformats.org/officeDocument/2006/relationships" xmlns:p="http://schemas.openxmlformats.org/presentationml/2006/main">
+  <p:cSld>
+    <p:spTree>
+      <p:nvGrpSpPr>
+        <p:cNvPr id="1" name=""/>
+        <p:cNvGrpSpPr/>
+        <p:nvPr/>
+      </p:nvGrpSpPr>
+      <p:grpSpPr>
+        <a:xfrm>
+          <a:off x="0" y="0"/>
+          <a:ext cx="0" cy="0"/>
+          <a:chOff x="0" y="0"/>
+          <a:chExt cx="0" cy="0"/>
+        </a:xfrm>
+      </p:grpSpPr>
+      <p:pic>
+        <p:nvPicPr>
+          <p:cNvPr id="7" name="Picture 6">
+            <a:extLst>
+              <a:ext uri="{FF2B5EF4-FFF2-40B4-BE49-F238E27FC236}">
+                <a16:creationId xmlns:a16="http://schemas.microsoft.com/office/drawing/2014/main" id="{C3A9D27D-3CE7-3B20-81AC-F74CFA70BA38}"/>
+              </a:ext>
+            </a:extLst>
+          </p:cNvPr>
+          <p:cNvPicPr>
+            <a:picLocks noChangeAspect="1"/>
+          </p:cNvPicPr>
+          <p:nvPr/>
+        </p:nvPicPr>
+        <p:blipFill>
+          <a:blip r:embed="rId2"/>
+          <a:stretch>
+            <a:fillRect/>
+          </a:stretch>
+        </p:blipFill>
+        <p:spPr>
+          <a:xfrm>
+            <a:off x="4552816" y="2186832"/>
+            <a:ext cx="3086367" cy="2484335"/>
+          </a:xfrm>
+          <a:prstGeom prst="rect">
+            <a:avLst/>
+          </a:prstGeom>
+        </p:spPr>
+      </p:pic>
+      <p:sp>
+        <p:nvSpPr>
+          <p:cNvPr id="8" name="Rectangle 7">
+            <a:extLst>
+              <a:ext uri="{FF2B5EF4-FFF2-40B4-BE49-F238E27FC236}">
+                <a16:creationId xmlns:a16="http://schemas.microsoft.com/office/drawing/2014/main" id="{5AFF84A2-0104-35A0-3F4A-00244DBEE409}"/>
+              </a:ext>
+            </a:extLst>
+          </p:cNvPr>
+          <p:cNvSpPr/>
+          <p:nvPr/>
+        </p:nvSpPr>
+        <p:spPr>
+          <a:xfrm>
+            <a:off x="5234940" y="1920240"/>
+            <a:ext cx="495300" cy="2871216"/>
+          </a:xfrm>
+          <a:prstGeom prst="rect">
+            <a:avLst/>
+          </a:prstGeom>
+          <a:solidFill>
+            <a:schemeClr val="accent2">
+              <a:lumMod val="75000"/>
+            </a:schemeClr>
+          </a:solidFill>
+          <a:ln>
+            <a:noFill/>
+          </a:ln>
+        </p:spPr>
+        <p:style>
+          <a:lnRef idx="2">
+            <a:schemeClr val="accent1">
+              <a:shade val="15000"/>
+            </a:schemeClr>
+          </a:lnRef>
+          <a:fillRef idx="1">
+            <a:schemeClr val="accent1"/>
+          </a:fillRef>
+          <a:effectRef idx="0">
+            <a:schemeClr val="accent1"/>
+          </a:effectRef>
+          <a:fontRef idx="minor">
+            <a:schemeClr val="lt1"/>
+          </a:fontRef>
+        </p:style>
+        <p:txBody>
+          <a:bodyPr rtlCol="0" anchor="ctr"/>
+          <a:lstStyle/>
+          <a:p>
+            <a:pPr algn="ctr"/>
+            <a:endParaRPr lang="en-US"/>
+          </a:p>
+        </p:txBody>
+      </p:sp>
+      <p:sp>
+        <p:nvSpPr>
+          <p:cNvPr id="9" name="Rectangle 8">
+            <a:extLst>
+              <a:ext uri="{FF2B5EF4-FFF2-40B4-BE49-F238E27FC236}">
+                <a16:creationId xmlns:a16="http://schemas.microsoft.com/office/drawing/2014/main" id="{CE233B06-0CC1-EE37-F4F8-25BE878EBB3D}"/>
+              </a:ext>
+            </a:extLst>
+          </p:cNvPr>
+          <p:cNvSpPr/>
+          <p:nvPr/>
+        </p:nvSpPr>
+        <p:spPr>
+          <a:xfrm>
+            <a:off x="6621780" y="1920240"/>
+            <a:ext cx="495300" cy="2871216"/>
+          </a:xfrm>
+          <a:prstGeom prst="rect">
+            <a:avLst/>
+          </a:prstGeom>
+          <a:solidFill>
+            <a:schemeClr val="accent2">
+              <a:lumMod val="75000"/>
+            </a:schemeClr>
+          </a:solidFill>
+          <a:ln>
+            <a:noFill/>
+          </a:ln>
+        </p:spPr>
+        <p:style>
+          <a:lnRef idx="2">
+            <a:schemeClr val="accent1">
+              <a:shade val="15000"/>
+            </a:schemeClr>
+          </a:lnRef>
+          <a:fillRef idx="1">
+            <a:schemeClr val="accent1"/>
+          </a:fillRef>
+          <a:effectRef idx="0">
+            <a:schemeClr val="accent1"/>
+          </a:effectRef>
+          <a:fontRef idx="minor">
+            <a:schemeClr val="lt1"/>
+          </a:fontRef>
+        </p:style>
+        <p:txBody>
+          <a:bodyPr rtlCol="0" anchor="ctr"/>
+          <a:lstStyle/>
+          <a:p>
+            <a:pPr algn="ctr"/>
+            <a:endParaRPr lang="en-US"/>
+          </a:p>
+        </p:txBody>
+      </p:sp>
+      <p:sp>
+        <p:nvSpPr>
+          <p:cNvPr id="10" name="Rectangle 9">
+            <a:extLst>
+              <a:ext uri="{FF2B5EF4-FFF2-40B4-BE49-F238E27FC236}">
+                <a16:creationId xmlns:a16="http://schemas.microsoft.com/office/drawing/2014/main" id="{2413DD67-52DA-E9A6-FBCD-4F53D10872B1}"/>
+              </a:ext>
+            </a:extLst>
+          </p:cNvPr>
+          <p:cNvSpPr/>
+          <p:nvPr/>
+        </p:nvSpPr>
+        <p:spPr>
+          <a:xfrm rot="5400000">
+            <a:off x="5960773" y="1115159"/>
+            <a:ext cx="430474" cy="1882140"/>
+          </a:xfrm>
+          <a:prstGeom prst="rect">
+            <a:avLst/>
+          </a:prstGeom>
+          <a:solidFill>
+            <a:schemeClr val="accent2">
+              <a:lumMod val="75000"/>
+            </a:schemeClr>
+          </a:solidFill>
+          <a:ln>
+            <a:noFill/>
+          </a:ln>
+        </p:spPr>
+        <p:style>
+          <a:lnRef idx="2">
+            <a:schemeClr val="accent1">
+              <a:shade val="15000"/>
+            </a:schemeClr>
+          </a:lnRef>
+          <a:fillRef idx="1">
+            <a:schemeClr val="accent1"/>
+          </a:fillRef>
+          <a:effectRef idx="0">
+            <a:schemeClr val="accent1"/>
+          </a:effectRef>
+          <a:fontRef idx="minor">
+            <a:schemeClr val="lt1"/>
+          </a:fontRef>
+        </p:style>
+        <p:txBody>
+          <a:bodyPr vert="vert270" rtlCol="0" anchor="ctr"/>
+          <a:lstStyle/>
+          <a:p>
+            <a:pPr algn="ctr"/>
+            <a:r>
+              <a:rPr lang="en-US" dirty="0"/>
+              <a:t>Copper trace</a:t>
+            </a:r>
+          </a:p>
+        </p:txBody>
+      </p:sp>
+      <p:cxnSp>
+        <p:nvCxnSpPr>
+          <p:cNvPr id="12" name="Straight Arrow Connector 11">
+            <a:extLst>
+              <a:ext uri="{FF2B5EF4-FFF2-40B4-BE49-F238E27FC236}">
+                <a16:creationId xmlns:a16="http://schemas.microsoft.com/office/drawing/2014/main" id="{9F5F5962-0CF9-6375-9F89-85DF65FE995A}"/>
+              </a:ext>
+            </a:extLst>
+          </p:cNvPr>
+          <p:cNvCxnSpPr>
+            <a:cxnSpLocks/>
+          </p:cNvCxnSpPr>
+          <p:nvPr/>
+        </p:nvCxnSpPr>
+        <p:spPr>
+          <a:xfrm>
+            <a:off x="5234940" y="5062728"/>
+            <a:ext cx="495300" cy="0"/>
+          </a:xfrm>
+          <a:prstGeom prst="straightConnector1">
+            <a:avLst/>
+          </a:prstGeom>
+          <a:ln>
+            <a:solidFill>
+              <a:schemeClr val="tx1"/>
+            </a:solidFill>
+            <a:headEnd type="triangle"/>
+            <a:tailEnd type="triangle"/>
+          </a:ln>
+        </p:spPr>
+        <p:style>
+          <a:lnRef idx="2">
+            <a:schemeClr val="accent1"/>
+          </a:lnRef>
+          <a:fillRef idx="0">
+            <a:schemeClr val="accent1"/>
+          </a:fillRef>
+          <a:effectRef idx="1">
+            <a:schemeClr val="accent1"/>
+          </a:effectRef>
+          <a:fontRef idx="minor">
+            <a:schemeClr val="tx1"/>
+          </a:fontRef>
+        </p:style>
+      </p:cxnSp>
+      <p:cxnSp>
+        <p:nvCxnSpPr>
+          <p:cNvPr id="14" name="Straight Connector 13">
+            <a:extLst>
+              <a:ext uri="{FF2B5EF4-FFF2-40B4-BE49-F238E27FC236}">
+                <a16:creationId xmlns:a16="http://schemas.microsoft.com/office/drawing/2014/main" id="{DCA31CAE-14CD-98EC-5798-8CD7EE2E169B}"/>
+              </a:ext>
+            </a:extLst>
+          </p:cNvPr>
+          <p:cNvCxnSpPr>
+            <a:cxnSpLocks/>
+          </p:cNvCxnSpPr>
+          <p:nvPr/>
+        </p:nvCxnSpPr>
+        <p:spPr>
+          <a:xfrm>
+            <a:off x="5234940" y="4762500"/>
+            <a:ext cx="0" cy="374796"/>
+          </a:xfrm>
+          <a:prstGeom prst="line">
+            <a:avLst/>
+          </a:prstGeom>
+          <a:ln w="12700">
+            <a:prstDash val="sysDot"/>
+          </a:ln>
+        </p:spPr>
+        <p:style>
+          <a:lnRef idx="2">
+            <a:schemeClr val="accent1"/>
+          </a:lnRef>
+          <a:fillRef idx="0">
+            <a:schemeClr val="accent1"/>
+          </a:fillRef>
+          <a:effectRef idx="1">
+            <a:schemeClr val="accent1"/>
+          </a:effectRef>
+          <a:fontRef idx="minor">
+            <a:schemeClr val="tx1"/>
+          </a:fontRef>
+        </p:style>
+      </p:cxnSp>
+      <p:cxnSp>
+        <p:nvCxnSpPr>
+          <p:cNvPr id="17" name="Straight Connector 16">
+            <a:extLst>
+              <a:ext uri="{FF2B5EF4-FFF2-40B4-BE49-F238E27FC236}">
+                <a16:creationId xmlns:a16="http://schemas.microsoft.com/office/drawing/2014/main" id="{FEABC3E7-0184-F553-A1FE-3C76498A792D}"/>
+              </a:ext>
+            </a:extLst>
+          </p:cNvPr>
+          <p:cNvCxnSpPr>
+            <a:cxnSpLocks/>
+          </p:cNvCxnSpPr>
+          <p:nvPr/>
+        </p:nvCxnSpPr>
+        <p:spPr>
+          <a:xfrm>
+            <a:off x="5730240" y="4762500"/>
+            <a:ext cx="0" cy="374796"/>
+          </a:xfrm>
+          <a:prstGeom prst="line">
+            <a:avLst/>
+          </a:prstGeom>
+          <a:ln w="12700">
+            <a:prstDash val="sysDot"/>
+          </a:ln>
+        </p:spPr>
+        <p:style>
+          <a:lnRef idx="2">
+            <a:schemeClr val="accent1"/>
+          </a:lnRef>
+          <a:fillRef idx="0">
+            <a:schemeClr val="accent1"/>
+          </a:fillRef>
+          <a:effectRef idx="1">
+            <a:schemeClr val="accent1"/>
+          </a:effectRef>
+          <a:fontRef idx="minor">
+            <a:schemeClr val="tx1"/>
+          </a:fontRef>
+        </p:style>
+      </p:cxnSp>
+      <p:cxnSp>
+        <p:nvCxnSpPr>
+          <p:cNvPr id="18" name="Straight Connector 17">
+            <a:extLst>
+              <a:ext uri="{FF2B5EF4-FFF2-40B4-BE49-F238E27FC236}">
+                <a16:creationId xmlns:a16="http://schemas.microsoft.com/office/drawing/2014/main" id="{57538846-8E9B-C830-88AC-9D23FD9938A2}"/>
+              </a:ext>
+            </a:extLst>
+          </p:cNvPr>
+          <p:cNvCxnSpPr>
+            <a:cxnSpLocks/>
+          </p:cNvCxnSpPr>
+          <p:nvPr/>
+        </p:nvCxnSpPr>
+        <p:spPr>
+          <a:xfrm>
+            <a:off x="5010150" y="4416660"/>
+            <a:ext cx="0" cy="374796"/>
+          </a:xfrm>
+          <a:prstGeom prst="line">
+            <a:avLst/>
+          </a:prstGeom>
+          <a:ln w="12700">
+            <a:prstDash val="sysDot"/>
+          </a:ln>
+        </p:spPr>
+        <p:style>
+          <a:lnRef idx="2">
+            <a:schemeClr val="accent1"/>
+          </a:lnRef>
+          <a:fillRef idx="0">
+            <a:schemeClr val="accent1"/>
+          </a:fillRef>
+          <a:effectRef idx="1">
+            <a:schemeClr val="accent1"/>
+          </a:effectRef>
+          <a:fontRef idx="minor">
+            <a:schemeClr val="tx1"/>
+          </a:fontRef>
+        </p:style>
+      </p:cxnSp>
+      <p:cxnSp>
+        <p:nvCxnSpPr>
+          <p:cNvPr id="21" name="Straight Arrow Connector 20">
+            <a:extLst>
+              <a:ext uri="{FF2B5EF4-FFF2-40B4-BE49-F238E27FC236}">
+                <a16:creationId xmlns:a16="http://schemas.microsoft.com/office/drawing/2014/main" id="{F4F40B76-574B-F164-0680-234B9EC397CE}"/>
+              </a:ext>
+            </a:extLst>
+          </p:cNvPr>
+          <p:cNvCxnSpPr>
+            <a:cxnSpLocks/>
+          </p:cNvCxnSpPr>
+          <p:nvPr/>
+        </p:nvCxnSpPr>
+        <p:spPr>
+          <a:xfrm>
+            <a:off x="5010150" y="4712208"/>
+            <a:ext cx="224790" cy="0"/>
+          </a:xfrm>
+          <a:prstGeom prst="straightConnector1">
+            <a:avLst/>
+          </a:prstGeom>
+          <a:ln>
+            <a:solidFill>
+              <a:schemeClr val="tx1"/>
+            </a:solidFill>
+            <a:headEnd type="triangle"/>
+            <a:tailEnd type="triangle"/>
+          </a:ln>
+        </p:spPr>
+        <p:style>
+          <a:lnRef idx="2">
+            <a:schemeClr val="accent1"/>
+          </a:lnRef>
+          <a:fillRef idx="0">
+            <a:schemeClr val="accent1"/>
+          </a:fillRef>
+          <a:effectRef idx="1">
+            <a:schemeClr val="accent1"/>
+          </a:effectRef>
+          <a:fontRef idx="minor">
+            <a:schemeClr val="tx1"/>
+          </a:fontRef>
+        </p:style>
+      </p:cxnSp>
+      <p:pic>
+        <p:nvPicPr>
+          <p:cNvPr id="26" name="Picture 25">
+            <a:extLst>
+              <a:ext uri="{FF2B5EF4-FFF2-40B4-BE49-F238E27FC236}">
+                <a16:creationId xmlns:a16="http://schemas.microsoft.com/office/drawing/2014/main" id="{AD7369C2-2D10-141E-16CA-03CD182CFAF9}"/>
+              </a:ext>
+            </a:extLst>
+          </p:cNvPr>
+          <p:cNvPicPr>
+            <a:picLocks noChangeAspect="1"/>
+          </p:cNvPicPr>
+          <p:nvPr/>
+        </p:nvPicPr>
+        <p:blipFill>
+          <a:blip r:embed="rId3"/>
+          <a:stretch>
+            <a:fillRect/>
+          </a:stretch>
+        </p:blipFill>
+        <p:spPr>
+          <a:xfrm>
+            <a:off x="635819" y="1481018"/>
+            <a:ext cx="2446232" cy="3581710"/>
+          </a:xfrm>
+          <a:prstGeom prst="rect">
+            <a:avLst/>
+          </a:prstGeom>
+        </p:spPr>
+      </p:pic>
+      <p:sp>
+        <p:nvSpPr>
+          <p:cNvPr id="28" name="TextBox 27">
+            <a:extLst>
+              <a:ext uri="{FF2B5EF4-FFF2-40B4-BE49-F238E27FC236}">
+                <a16:creationId xmlns:a16="http://schemas.microsoft.com/office/drawing/2014/main" id="{E42C26C0-884A-4B62-E3C6-79AEAE93A0AC}"/>
+              </a:ext>
+            </a:extLst>
+          </p:cNvPr>
+          <p:cNvSpPr txBox="1"/>
+          <p:nvPr/>
+        </p:nvSpPr>
+        <p:spPr>
+          <a:xfrm>
+            <a:off x="5126355" y="5058048"/>
+            <a:ext cx="745717" cy="369332"/>
+          </a:xfrm>
+          <a:prstGeom prst="rect">
+            <a:avLst/>
+          </a:prstGeom>
+          <a:noFill/>
+        </p:spPr>
+        <p:txBody>
+          <a:bodyPr wrap="none" rtlCol="0">
+            <a:spAutoFit/>
+          </a:bodyPr>
+          <a:lstStyle/>
+          <a:p>
+            <a:r>
+              <a:rPr lang="fr-FR" dirty="0" err="1"/>
+              <a:t>wmm</a:t>
+            </a:r>
+            <a:endParaRPr lang="en-US" dirty="0"/>
+          </a:p>
+        </p:txBody>
+      </p:sp>
+      <p:sp>
+        <p:nvSpPr>
+          <p:cNvPr id="29" name="TextBox 28">
+            <a:extLst>
+              <a:ext uri="{FF2B5EF4-FFF2-40B4-BE49-F238E27FC236}">
+                <a16:creationId xmlns:a16="http://schemas.microsoft.com/office/drawing/2014/main" id="{2AAAAC12-9FF6-8B8A-FC7C-DDE4683DFB39}"/>
+              </a:ext>
+            </a:extLst>
+          </p:cNvPr>
+          <p:cNvSpPr txBox="1"/>
+          <p:nvPr/>
+        </p:nvSpPr>
+        <p:spPr>
+          <a:xfrm>
+            <a:off x="4438651" y="4728340"/>
+            <a:ext cx="1158239" cy="369332"/>
+          </a:xfrm>
+          <a:prstGeom prst="rect">
+            <a:avLst/>
+          </a:prstGeom>
+          <a:noFill/>
+        </p:spPr>
+        <p:txBody>
+          <a:bodyPr wrap="square" rtlCol="0">
+            <a:spAutoFit/>
+          </a:bodyPr>
+          <a:lstStyle/>
+          <a:p>
+            <a:r>
+              <a:rPr lang="fr-FR" dirty="0" err="1"/>
+              <a:t>Margin</a:t>
+            </a:r>
+            <a:endParaRPr lang="en-US" dirty="0"/>
+          </a:p>
+        </p:txBody>
+      </p:sp>
+    </p:spTree>
+    <p:extLst>
+      <p:ext uri="{BB962C8B-B14F-4D97-AF65-F5344CB8AC3E}">
+        <p14:creationId xmlns:p14="http://schemas.microsoft.com/office/powerpoint/2010/main" val="4029462798"/>
+      </p:ext>
+    </p:extLst>
+  </p:cSld>
+  <p:clrMapOvr>
+    <a:masterClrMapping/>
+  </p:clrMapOvr>
+</p:sld>
+</file>
+
+<file path=ppt/slides/slide8.xml><?xml version="1.0" encoding="utf-8"?>
+<p:sld xmlns:a="http://schemas.openxmlformats.org/drawingml/2006/main" xmlns:r="http://schemas.openxmlformats.org/officeDocument/2006/relationships" xmlns:p="http://schemas.openxmlformats.org/presentationml/2006/main">
+  <p:cSld>
+    <p:spTree>
+      <p:nvGrpSpPr>
+        <p:cNvPr id="1" name=""/>
+        <p:cNvGrpSpPr/>
+        <p:nvPr/>
+      </p:nvGrpSpPr>
+      <p:grpSpPr>
+        <a:xfrm>
+          <a:off x="0" y="0"/>
+          <a:ext cx="0" cy="0"/>
+          <a:chOff x="0" y="0"/>
+          <a:chExt cx="0" cy="0"/>
+        </a:xfrm>
+      </p:grpSpPr>
+      <p:sp>
+        <p:nvSpPr>
+          <p:cNvPr id="2" name="Title 1">
+            <a:extLst>
+              <a:ext uri="{FF2B5EF4-FFF2-40B4-BE49-F238E27FC236}">
+                <a16:creationId xmlns:a16="http://schemas.microsoft.com/office/drawing/2014/main" id="{DC32E216-83F5-7546-6567-18D5B96F75E0}"/>
+              </a:ext>
+            </a:extLst>
+          </p:cNvPr>
+          <p:cNvSpPr>
+            <a:spLocks noGrp="1"/>
+          </p:cNvSpPr>
+          <p:nvPr>
+            <p:ph type="title"/>
+          </p:nvPr>
+        </p:nvSpPr>
+        <p:spPr/>
+        <p:txBody>
+          <a:bodyPr/>
+          <a:lstStyle/>
+          <a:p>
+            <a:endParaRPr lang="en-US"/>
+          </a:p>
+        </p:txBody>
+      </p:sp>
+      <p:sp>
+        <p:nvSpPr>
+          <p:cNvPr id="3" name="Content Placeholder 2">
+            <a:extLst>
+              <a:ext uri="{FF2B5EF4-FFF2-40B4-BE49-F238E27FC236}">
+                <a16:creationId xmlns:a16="http://schemas.microsoft.com/office/drawing/2014/main" id="{BB397B63-325F-7829-0FE3-64B423828DCB}"/>
+              </a:ext>
+            </a:extLst>
+          </p:cNvPr>
+          <p:cNvSpPr>
+            <a:spLocks noGrp="1"/>
+          </p:cNvSpPr>
+          <p:nvPr>
+            <p:ph idx="1"/>
+          </p:nvPr>
+        </p:nvSpPr>
+        <p:spPr/>
+        <p:txBody>
+          <a:bodyPr/>
+          <a:lstStyle/>
+          <a:p>
+            <a:endParaRPr lang="en-US"/>
+          </a:p>
+        </p:txBody>
+      </p:sp>
+      <p:pic>
+        <p:nvPicPr>
+          <p:cNvPr id="5" name="Picture 4">
+            <a:extLst>
+              <a:ext uri="{FF2B5EF4-FFF2-40B4-BE49-F238E27FC236}">
+                <a16:creationId xmlns:a16="http://schemas.microsoft.com/office/drawing/2014/main" id="{0DB5ECA9-75BC-F751-D259-0CBD0DB1D657}"/>
+              </a:ext>
+            </a:extLst>
+          </p:cNvPr>
+          <p:cNvPicPr>
+            <a:picLocks noChangeAspect="1"/>
+          </p:cNvPicPr>
+          <p:nvPr/>
+        </p:nvPicPr>
+        <p:blipFill>
+          <a:blip r:embed="rId2"/>
+          <a:stretch>
+            <a:fillRect/>
+          </a:stretch>
+        </p:blipFill>
+        <p:spPr>
+          <a:xfrm>
+            <a:off x="3653578" y="777010"/>
+            <a:ext cx="4884843" cy="5303980"/>
+          </a:xfrm>
+          <a:prstGeom prst="rect">
+            <a:avLst/>
+          </a:prstGeom>
+        </p:spPr>
+      </p:pic>
+    </p:spTree>
+    <p:extLst>
+      <p:ext uri="{BB962C8B-B14F-4D97-AF65-F5344CB8AC3E}">
+        <p14:creationId xmlns:p14="http://schemas.microsoft.com/office/powerpoint/2010/main" val="2909456377"/>
       </p:ext>
     </p:extLst>
   </p:cSld>

--- a/03_hw_design/01_design_justification/Presentation1.pptx
+++ b/03_hw_design/01_design_justification/Presentation1.pptx
@@ -6,13 +6,14 @@
   </p:sldMasterIdLst>
   <p:sldIdLst>
     <p:sldId id="256" r:id="rId2"/>
-    <p:sldId id="257" r:id="rId3"/>
-    <p:sldId id="258" r:id="rId4"/>
-    <p:sldId id="259" r:id="rId5"/>
-    <p:sldId id="260" r:id="rId6"/>
-    <p:sldId id="261" r:id="rId7"/>
-    <p:sldId id="262" r:id="rId8"/>
-    <p:sldId id="263" r:id="rId9"/>
+    <p:sldId id="264" r:id="rId3"/>
+    <p:sldId id="257" r:id="rId4"/>
+    <p:sldId id="258" r:id="rId5"/>
+    <p:sldId id="259" r:id="rId6"/>
+    <p:sldId id="260" r:id="rId7"/>
+    <p:sldId id="261" r:id="rId8"/>
+    <p:sldId id="262" r:id="rId9"/>
+    <p:sldId id="263" r:id="rId10"/>
   </p:sldIdLst>
   <p:sldSz cx="12192000" cy="6858000"/>
   <p:notesSz cx="6858000" cy="9144000"/>
@@ -366,7 +367,7 @@
           <a:p>
             <a:fld id="{42E44293-22E2-467B-974A-23AC2A8DE53C}" type="datetimeFigureOut">
               <a:rPr lang="en-US" smtClean="0"/>
-              <a:t>9/3/2025</a:t>
+              <a:t>9/5/2025</a:t>
             </a:fld>
             <a:endParaRPr lang="en-US"/>
           </a:p>
@@ -564,7 +565,7 @@
           <a:p>
             <a:fld id="{42E44293-22E2-467B-974A-23AC2A8DE53C}" type="datetimeFigureOut">
               <a:rPr lang="en-US" smtClean="0"/>
-              <a:t>9/3/2025</a:t>
+              <a:t>9/5/2025</a:t>
             </a:fld>
             <a:endParaRPr lang="en-US"/>
           </a:p>
@@ -772,7 +773,7 @@
           <a:p>
             <a:fld id="{42E44293-22E2-467B-974A-23AC2A8DE53C}" type="datetimeFigureOut">
               <a:rPr lang="en-US" smtClean="0"/>
-              <a:t>9/3/2025</a:t>
+              <a:t>9/5/2025</a:t>
             </a:fld>
             <a:endParaRPr lang="en-US"/>
           </a:p>
@@ -970,7 +971,7 @@
           <a:p>
             <a:fld id="{42E44293-22E2-467B-974A-23AC2A8DE53C}" type="datetimeFigureOut">
               <a:rPr lang="en-US" smtClean="0"/>
-              <a:t>9/3/2025</a:t>
+              <a:t>9/5/2025</a:t>
             </a:fld>
             <a:endParaRPr lang="en-US"/>
           </a:p>
@@ -1245,7 +1246,7 @@
           <a:p>
             <a:fld id="{42E44293-22E2-467B-974A-23AC2A8DE53C}" type="datetimeFigureOut">
               <a:rPr lang="en-US" smtClean="0"/>
-              <a:t>9/3/2025</a:t>
+              <a:t>9/5/2025</a:t>
             </a:fld>
             <a:endParaRPr lang="en-US"/>
           </a:p>
@@ -1510,7 +1511,7 @@
           <a:p>
             <a:fld id="{42E44293-22E2-467B-974A-23AC2A8DE53C}" type="datetimeFigureOut">
               <a:rPr lang="en-US" smtClean="0"/>
-              <a:t>9/3/2025</a:t>
+              <a:t>9/5/2025</a:t>
             </a:fld>
             <a:endParaRPr lang="en-US"/>
           </a:p>
@@ -1922,7 +1923,7 @@
           <a:p>
             <a:fld id="{42E44293-22E2-467B-974A-23AC2A8DE53C}" type="datetimeFigureOut">
               <a:rPr lang="en-US" smtClean="0"/>
-              <a:t>9/3/2025</a:t>
+              <a:t>9/5/2025</a:t>
             </a:fld>
             <a:endParaRPr lang="en-US"/>
           </a:p>
@@ -2063,7 +2064,7 @@
           <a:p>
             <a:fld id="{42E44293-22E2-467B-974A-23AC2A8DE53C}" type="datetimeFigureOut">
               <a:rPr lang="en-US" smtClean="0"/>
-              <a:t>9/3/2025</a:t>
+              <a:t>9/5/2025</a:t>
             </a:fld>
             <a:endParaRPr lang="en-US"/>
           </a:p>
@@ -2176,7 +2177,7 @@
           <a:p>
             <a:fld id="{42E44293-22E2-467B-974A-23AC2A8DE53C}" type="datetimeFigureOut">
               <a:rPr lang="en-US" smtClean="0"/>
-              <a:t>9/3/2025</a:t>
+              <a:t>9/5/2025</a:t>
             </a:fld>
             <a:endParaRPr lang="en-US"/>
           </a:p>
@@ -2487,7 +2488,7 @@
           <a:p>
             <a:fld id="{42E44293-22E2-467B-974A-23AC2A8DE53C}" type="datetimeFigureOut">
               <a:rPr lang="en-US" smtClean="0"/>
-              <a:t>9/3/2025</a:t>
+              <a:t>9/5/2025</a:t>
             </a:fld>
             <a:endParaRPr lang="en-US"/>
           </a:p>
@@ -2775,7 +2776,7 @@
           <a:p>
             <a:fld id="{42E44293-22E2-467B-974A-23AC2A8DE53C}" type="datetimeFigureOut">
               <a:rPr lang="en-US" smtClean="0"/>
-              <a:t>9/3/2025</a:t>
+              <a:t>9/5/2025</a:t>
             </a:fld>
             <a:endParaRPr lang="en-US"/>
           </a:p>
@@ -3016,7 +3017,7 @@
           <a:p>
             <a:fld id="{42E44293-22E2-467B-974A-23AC2A8DE53C}" type="datetimeFigureOut">
               <a:rPr lang="en-US" smtClean="0"/>
-              <a:t>9/3/2025</a:t>
+              <a:t>9/5/2025</a:t>
             </a:fld>
             <a:endParaRPr lang="en-US"/>
           </a:p>
@@ -3738,10 +3739,10 @@
       </p:grpSpPr>
       <p:pic>
         <p:nvPicPr>
-          <p:cNvPr id="7" name="Picture 6">
-            <a:extLst>
-              <a:ext uri="{FF2B5EF4-FFF2-40B4-BE49-F238E27FC236}">
-                <a16:creationId xmlns:a16="http://schemas.microsoft.com/office/drawing/2014/main" id="{F0D61BBB-1998-F925-85CB-B2644DA2F312}"/>
+          <p:cNvPr id="5" name="Picture 4">
+            <a:extLst>
+              <a:ext uri="{FF2B5EF4-FFF2-40B4-BE49-F238E27FC236}">
+                <a16:creationId xmlns:a16="http://schemas.microsoft.com/office/drawing/2014/main" id="{C7A1C440-869C-5E27-C0F2-EACF2766558D}"/>
               </a:ext>
             </a:extLst>
           </p:cNvPr>
@@ -3752,324 +3753,26 @@
         </p:nvPicPr>
         <p:blipFill>
           <a:blip r:embed="rId2"/>
-          <a:srcRect l="2479" t="15867" r="58184" b="25741"/>
           <a:stretch>
             <a:fillRect/>
           </a:stretch>
         </p:blipFill>
         <p:spPr>
           <a:xfrm>
-            <a:off x="934721" y="1446675"/>
-            <a:ext cx="3027680" cy="502823"/>
+            <a:off x="3380996" y="1080760"/>
+            <a:ext cx="5430008" cy="4696480"/>
           </a:xfrm>
           <a:prstGeom prst="rect">
             <a:avLst/>
           </a:prstGeom>
         </p:spPr>
       </p:pic>
-      <p:pic>
-        <p:nvPicPr>
-          <p:cNvPr id="8" name="Picture 7">
-            <a:extLst>
-              <a:ext uri="{FF2B5EF4-FFF2-40B4-BE49-F238E27FC236}">
-                <a16:creationId xmlns:a16="http://schemas.microsoft.com/office/drawing/2014/main" id="{AEA9BC1D-0590-A35D-A838-8F063663AF15}"/>
-              </a:ext>
-            </a:extLst>
-          </p:cNvPr>
-          <p:cNvPicPr>
-            <a:picLocks noChangeAspect="1"/>
-          </p:cNvPicPr>
-          <p:nvPr/>
-        </p:nvPicPr>
-        <p:blipFill>
-          <a:blip r:embed="rId2"/>
-          <a:srcRect l="58977" t="40561" r="2306" b="23926"/>
-          <a:stretch>
-            <a:fillRect/>
-          </a:stretch>
-        </p:blipFill>
-        <p:spPr>
-          <a:xfrm>
-            <a:off x="934721" y="953892"/>
-            <a:ext cx="3027680" cy="310704"/>
-          </a:xfrm>
-          <a:prstGeom prst="rect">
-            <a:avLst/>
-          </a:prstGeom>
-        </p:spPr>
-      </p:pic>
-      <p:sp>
-        <p:nvSpPr>
-          <p:cNvPr id="9" name="Rectangle 8">
-            <a:extLst>
-              <a:ext uri="{FF2B5EF4-FFF2-40B4-BE49-F238E27FC236}">
-                <a16:creationId xmlns:a16="http://schemas.microsoft.com/office/drawing/2014/main" id="{DE3ADD2C-BFF3-9E23-C2D4-31608ECBBC25}"/>
-              </a:ext>
-            </a:extLst>
-          </p:cNvPr>
-          <p:cNvSpPr/>
-          <p:nvPr/>
-        </p:nvSpPr>
-        <p:spPr>
-          <a:xfrm>
-            <a:off x="3669272" y="1280160"/>
-            <a:ext cx="276265" cy="150951"/>
-          </a:xfrm>
-          <a:prstGeom prst="rect">
-            <a:avLst/>
-          </a:prstGeom>
-          <a:solidFill>
-            <a:srgbClr val="00B0F0"/>
-          </a:solidFill>
-          <a:ln>
-            <a:solidFill>
-              <a:srgbClr val="00B0F0"/>
-            </a:solidFill>
-          </a:ln>
-        </p:spPr>
-        <p:style>
-          <a:lnRef idx="2">
-            <a:schemeClr val="accent1">
-              <a:shade val="15000"/>
-            </a:schemeClr>
-          </a:lnRef>
-          <a:fillRef idx="1">
-            <a:schemeClr val="accent1"/>
-          </a:fillRef>
-          <a:effectRef idx="0">
-            <a:schemeClr val="accent1"/>
-          </a:effectRef>
-          <a:fontRef idx="minor">
-            <a:schemeClr val="lt1"/>
-          </a:fontRef>
-        </p:style>
-        <p:txBody>
-          <a:bodyPr rtlCol="0" anchor="ctr"/>
-          <a:lstStyle/>
-          <a:p>
-            <a:pPr algn="ctr"/>
-            <a:endParaRPr lang="en-US" dirty="0"/>
-          </a:p>
-        </p:txBody>
-      </p:sp>
-      <p:sp>
-        <p:nvSpPr>
-          <p:cNvPr id="10" name="Rectangle 9">
-            <a:extLst>
-              <a:ext uri="{FF2B5EF4-FFF2-40B4-BE49-F238E27FC236}">
-                <a16:creationId xmlns:a16="http://schemas.microsoft.com/office/drawing/2014/main" id="{6A702AAA-1D2E-D32E-D7D8-F01B0B7A8A7D}"/>
-              </a:ext>
-            </a:extLst>
-          </p:cNvPr>
-          <p:cNvSpPr/>
-          <p:nvPr/>
-        </p:nvSpPr>
-        <p:spPr>
-          <a:xfrm>
-            <a:off x="973413" y="1280159"/>
-            <a:ext cx="276265" cy="150951"/>
-          </a:xfrm>
-          <a:prstGeom prst="rect">
-            <a:avLst/>
-          </a:prstGeom>
-          <a:solidFill>
-            <a:srgbClr val="00B0F0"/>
-          </a:solidFill>
-          <a:ln>
-            <a:solidFill>
-              <a:srgbClr val="00B0F0"/>
-            </a:solidFill>
-          </a:ln>
-        </p:spPr>
-        <p:style>
-          <a:lnRef idx="2">
-            <a:schemeClr val="accent1">
-              <a:shade val="15000"/>
-            </a:schemeClr>
-          </a:lnRef>
-          <a:fillRef idx="1">
-            <a:schemeClr val="accent1"/>
-          </a:fillRef>
-          <a:effectRef idx="0">
-            <a:schemeClr val="accent1"/>
-          </a:effectRef>
-          <a:fontRef idx="minor">
-            <a:schemeClr val="lt1"/>
-          </a:fontRef>
-        </p:style>
-        <p:txBody>
-          <a:bodyPr rtlCol="0" anchor="ctr"/>
-          <a:lstStyle/>
-          <a:p>
-            <a:pPr algn="ctr"/>
-            <a:endParaRPr lang="en-US" dirty="0"/>
-          </a:p>
-        </p:txBody>
-      </p:sp>
-      <p:sp>
-        <p:nvSpPr>
-          <p:cNvPr id="11" name="Rectangle 10">
-            <a:extLst>
-              <a:ext uri="{FF2B5EF4-FFF2-40B4-BE49-F238E27FC236}">
-                <a16:creationId xmlns:a16="http://schemas.microsoft.com/office/drawing/2014/main" id="{EB2ED688-B6BE-2740-99E0-13ECC3E7FEA1}"/>
-              </a:ext>
-            </a:extLst>
-          </p:cNvPr>
-          <p:cNvSpPr/>
-          <p:nvPr/>
-        </p:nvSpPr>
-        <p:spPr>
-          <a:xfrm>
-            <a:off x="2234766" y="1284050"/>
-            <a:ext cx="461741" cy="150951"/>
-          </a:xfrm>
-          <a:prstGeom prst="rect">
-            <a:avLst/>
-          </a:prstGeom>
-          <a:solidFill>
-            <a:srgbClr val="00B0F0"/>
-          </a:solidFill>
-          <a:ln>
-            <a:solidFill>
-              <a:srgbClr val="00B0F0"/>
-            </a:solidFill>
-          </a:ln>
-        </p:spPr>
-        <p:style>
-          <a:lnRef idx="2">
-            <a:schemeClr val="accent1">
-              <a:shade val="15000"/>
-            </a:schemeClr>
-          </a:lnRef>
-          <a:fillRef idx="1">
-            <a:schemeClr val="accent1"/>
-          </a:fillRef>
-          <a:effectRef idx="0">
-            <a:schemeClr val="accent1"/>
-          </a:effectRef>
-          <a:fontRef idx="minor">
-            <a:schemeClr val="lt1"/>
-          </a:fontRef>
-        </p:style>
-        <p:txBody>
-          <a:bodyPr rtlCol="0" anchor="ctr"/>
-          <a:lstStyle/>
-          <a:p>
-            <a:pPr algn="ctr"/>
-            <a:endParaRPr lang="en-US" dirty="0"/>
-          </a:p>
-        </p:txBody>
-      </p:sp>
-      <p:sp>
-        <p:nvSpPr>
-          <p:cNvPr id="12" name="Rectangle: Rounded Corners 11">
-            <a:extLst>
-              <a:ext uri="{FF2B5EF4-FFF2-40B4-BE49-F238E27FC236}">
-                <a16:creationId xmlns:a16="http://schemas.microsoft.com/office/drawing/2014/main" id="{FC995113-5261-C05F-155E-C5C843C873DD}"/>
-              </a:ext>
-            </a:extLst>
-          </p:cNvPr>
-          <p:cNvSpPr/>
-          <p:nvPr/>
-        </p:nvSpPr>
-        <p:spPr>
-          <a:xfrm>
-            <a:off x="2521408" y="1120626"/>
-            <a:ext cx="1287943" cy="743194"/>
-          </a:xfrm>
-          <a:prstGeom prst="roundRect">
-            <a:avLst/>
-          </a:prstGeom>
-          <a:noFill/>
-          <a:ln>
-            <a:solidFill>
-              <a:srgbClr val="FF0000"/>
-            </a:solidFill>
-          </a:ln>
-        </p:spPr>
-        <p:style>
-          <a:lnRef idx="2">
-            <a:schemeClr val="accent1">
-              <a:shade val="15000"/>
-            </a:schemeClr>
-          </a:lnRef>
-          <a:fillRef idx="1">
-            <a:schemeClr val="accent1"/>
-          </a:fillRef>
-          <a:effectRef idx="0">
-            <a:schemeClr val="accent1"/>
-          </a:effectRef>
-          <a:fontRef idx="minor">
-            <a:schemeClr val="lt1"/>
-          </a:fontRef>
-        </p:style>
-        <p:txBody>
-          <a:bodyPr rtlCol="0" anchor="ctr"/>
-          <a:lstStyle/>
-          <a:p>
-            <a:pPr algn="ctr"/>
-            <a:endParaRPr lang="en-US"/>
-          </a:p>
-        </p:txBody>
-      </p:sp>
-      <p:sp>
-        <p:nvSpPr>
-          <p:cNvPr id="13" name="Rectangle: Rounded Corners 12">
-            <a:extLst>
-              <a:ext uri="{FF2B5EF4-FFF2-40B4-BE49-F238E27FC236}">
-                <a16:creationId xmlns:a16="http://schemas.microsoft.com/office/drawing/2014/main" id="{10930D63-F027-0953-EFBC-DD6B864CF9FE}"/>
-              </a:ext>
-            </a:extLst>
-          </p:cNvPr>
-          <p:cNvSpPr/>
-          <p:nvPr/>
-        </p:nvSpPr>
-        <p:spPr>
-          <a:xfrm>
-            <a:off x="1084093" y="1116735"/>
-            <a:ext cx="1287943" cy="743194"/>
-          </a:xfrm>
-          <a:prstGeom prst="roundRect">
-            <a:avLst/>
-          </a:prstGeom>
-          <a:noFill/>
-          <a:ln>
-            <a:solidFill>
-              <a:srgbClr val="FF0000"/>
-            </a:solidFill>
-          </a:ln>
-        </p:spPr>
-        <p:style>
-          <a:lnRef idx="2">
-            <a:schemeClr val="accent1">
-              <a:shade val="15000"/>
-            </a:schemeClr>
-          </a:lnRef>
-          <a:fillRef idx="1">
-            <a:schemeClr val="accent1"/>
-          </a:fillRef>
-          <a:effectRef idx="0">
-            <a:schemeClr val="accent1"/>
-          </a:effectRef>
-          <a:fontRef idx="minor">
-            <a:schemeClr val="lt1"/>
-          </a:fontRef>
-        </p:style>
-        <p:txBody>
-          <a:bodyPr rtlCol="0" anchor="ctr"/>
-          <a:lstStyle/>
-          <a:p>
-            <a:pPr algn="ctr"/>
-            <a:endParaRPr lang="en-US"/>
-          </a:p>
-        </p:txBody>
-      </p:sp>
       <p:cxnSp>
         <p:nvCxnSpPr>
-          <p:cNvPr id="15" name="Straight Arrow Connector 14">
-            <a:extLst>
-              <a:ext uri="{FF2B5EF4-FFF2-40B4-BE49-F238E27FC236}">
-                <a16:creationId xmlns:a16="http://schemas.microsoft.com/office/drawing/2014/main" id="{7DF16A85-A2B5-C0FD-77AE-4F31CD408D09}"/>
+          <p:cNvPr id="6" name="Straight Connector 5">
+            <a:extLst>
+              <a:ext uri="{FF2B5EF4-FFF2-40B4-BE49-F238E27FC236}">
+                <a16:creationId xmlns:a16="http://schemas.microsoft.com/office/drawing/2014/main" id="{5EA09B0B-B3A6-8D7B-127F-3703966FBDF5}"/>
               </a:ext>
             </a:extLst>
           </p:cNvPr>
@@ -4079,29 +3782,32 @@
           <p:nvPr/>
         </p:nvCxnSpPr>
         <p:spPr>
-          <a:xfrm flipH="1">
-            <a:off x="1739294" y="1116730"/>
-            <a:ext cx="73930" cy="0"/>
-          </a:xfrm>
-          <a:prstGeom prst="straightConnector1">
+          <a:xfrm>
+            <a:off x="7208520" y="2875280"/>
+            <a:ext cx="0" cy="1752600"/>
+          </a:xfrm>
+          <a:prstGeom prst="line">
             <a:avLst/>
           </a:prstGeom>
-          <a:ln>
+          <a:ln w="38100" cap="flat" cmpd="sng" algn="ctr">
             <a:solidFill>
-              <a:srgbClr val="FF0000"/>
+              <a:schemeClr val="accent6"/>
             </a:solidFill>
-            <a:tailEnd type="triangle"/>
+            <a:prstDash val="dash"/>
+            <a:round/>
+            <a:headEnd type="none" w="med" len="med"/>
+            <a:tailEnd type="none" w="med" len="med"/>
           </a:ln>
         </p:spPr>
         <p:style>
-          <a:lnRef idx="2">
-            <a:schemeClr val="accent1"/>
+          <a:lnRef idx="0">
+            <a:scrgbClr r="0" g="0" b="0"/>
           </a:lnRef>
           <a:fillRef idx="0">
-            <a:schemeClr val="accent1"/>
+            <a:scrgbClr r="0" g="0" b="0"/>
           </a:fillRef>
-          <a:effectRef idx="1">
-            <a:schemeClr val="accent1"/>
+          <a:effectRef idx="0">
+            <a:scrgbClr r="0" g="0" b="0"/>
           </a:effectRef>
           <a:fontRef idx="minor">
             <a:schemeClr val="tx1"/>
@@ -4110,10 +3816,10 @@
       </p:cxnSp>
       <p:cxnSp>
         <p:nvCxnSpPr>
-          <p:cNvPr id="17" name="Straight Arrow Connector 16">
-            <a:extLst>
-              <a:ext uri="{FF2B5EF4-FFF2-40B4-BE49-F238E27FC236}">
-                <a16:creationId xmlns:a16="http://schemas.microsoft.com/office/drawing/2014/main" id="{1AE979C3-6493-3807-8742-9616F63FB60D}"/>
+          <p:cNvPr id="9" name="Straight Connector 8">
+            <a:extLst>
+              <a:ext uri="{FF2B5EF4-FFF2-40B4-BE49-F238E27FC236}">
+                <a16:creationId xmlns:a16="http://schemas.microsoft.com/office/drawing/2014/main" id="{777A7B31-9747-D03F-6F79-9F6C691194D8}"/>
               </a:ext>
             </a:extLst>
           </p:cNvPr>
@@ -4124,268 +3830,31 @@
         </p:nvCxnSpPr>
         <p:spPr>
           <a:xfrm>
-            <a:off x="3094044" y="1125162"/>
-            <a:ext cx="73930" cy="0"/>
-          </a:xfrm>
-          <a:prstGeom prst="straightConnector1">
+            <a:off x="4538980" y="3997960"/>
+            <a:ext cx="3114040" cy="0"/>
+          </a:xfrm>
+          <a:prstGeom prst="line">
             <a:avLst/>
           </a:prstGeom>
-          <a:ln>
+          <a:ln w="38100" cap="flat" cmpd="sng" algn="ctr">
             <a:solidFill>
-              <a:srgbClr val="FF0000"/>
+              <a:schemeClr val="accent6"/>
             </a:solidFill>
-            <a:tailEnd type="triangle"/>
+            <a:prstDash val="dash"/>
+            <a:round/>
+            <a:headEnd type="none" w="med" len="med"/>
+            <a:tailEnd type="none" w="med" len="med"/>
           </a:ln>
         </p:spPr>
         <p:style>
-          <a:lnRef idx="2">
-            <a:schemeClr val="accent1"/>
+          <a:lnRef idx="0">
+            <a:scrgbClr r="0" g="0" b="0"/>
           </a:lnRef>
           <a:fillRef idx="0">
-            <a:schemeClr val="accent1"/>
+            <a:scrgbClr r="0" g="0" b="0"/>
           </a:fillRef>
-          <a:effectRef idx="1">
-            <a:schemeClr val="accent1"/>
-          </a:effectRef>
-          <a:fontRef idx="minor">
-            <a:schemeClr val="tx1"/>
-          </a:fontRef>
-        </p:style>
-      </p:cxnSp>
-      <p:sp>
-        <p:nvSpPr>
-          <p:cNvPr id="18" name="TextBox 17">
-            <a:extLst>
-              <a:ext uri="{FF2B5EF4-FFF2-40B4-BE49-F238E27FC236}">
-                <a16:creationId xmlns:a16="http://schemas.microsoft.com/office/drawing/2014/main" id="{8930ADD4-11D3-EA26-208E-2DC6464F1CFE}"/>
-              </a:ext>
-            </a:extLst>
-          </p:cNvPr>
-          <p:cNvSpPr txBox="1"/>
-          <p:nvPr/>
-        </p:nvSpPr>
-        <p:spPr>
-          <a:xfrm>
-            <a:off x="4372258" y="980500"/>
-            <a:ext cx="1723742" cy="1015663"/>
-          </a:xfrm>
-          <a:prstGeom prst="rect">
-            <a:avLst/>
-          </a:prstGeom>
-          <a:noFill/>
-        </p:spPr>
-        <p:txBody>
-          <a:bodyPr wrap="square" rtlCol="0">
-            <a:spAutoFit/>
-          </a:bodyPr>
-          <a:lstStyle/>
-          <a:p>
-            <a:r>
-              <a:rPr lang="en-US" sz="1200" noProof="0" dirty="0"/>
-              <a:t>Magnetic core</a:t>
-            </a:r>
-          </a:p>
-          <a:p>
-            <a:endParaRPr lang="en-US" sz="1200" noProof="0" dirty="0"/>
-          </a:p>
-          <a:p>
-            <a:r>
-              <a:rPr lang="en-US" sz="1200" noProof="0" dirty="0">
-                <a:solidFill>
-                  <a:srgbClr val="00B0F0"/>
-                </a:solidFill>
-              </a:rPr>
-              <a:t>The insulation material</a:t>
-            </a:r>
-          </a:p>
-          <a:p>
-            <a:endParaRPr lang="en-US" sz="1200" noProof="0" dirty="0"/>
-          </a:p>
-          <a:p>
-            <a:r>
-              <a:rPr lang="en-US" sz="1200" noProof="0" dirty="0">
-                <a:solidFill>
-                  <a:srgbClr val="FF0000"/>
-                </a:solidFill>
-              </a:rPr>
-              <a:t>The magnetic path</a:t>
-            </a:r>
-          </a:p>
-        </p:txBody>
-      </p:sp>
-      <p:cxnSp>
-        <p:nvCxnSpPr>
-          <p:cNvPr id="21" name="Straight Arrow Connector 20">
-            <a:extLst>
-              <a:ext uri="{FF2B5EF4-FFF2-40B4-BE49-F238E27FC236}">
-                <a16:creationId xmlns:a16="http://schemas.microsoft.com/office/drawing/2014/main" id="{BD6C1C15-F99C-834C-5309-99B56A24E0EF}"/>
-              </a:ext>
-            </a:extLst>
-          </p:cNvPr>
-          <p:cNvCxnSpPr>
-            <a:cxnSpLocks/>
-            <a:stCxn id="18" idx="1"/>
-            <a:endCxn id="9" idx="3"/>
-          </p:cNvCxnSpPr>
-          <p:nvPr/>
-        </p:nvCxnSpPr>
-        <p:spPr>
-          <a:xfrm flipH="1" flipV="1">
-            <a:off x="3945537" y="1355636"/>
-            <a:ext cx="426721" cy="132696"/>
-          </a:xfrm>
-          <a:prstGeom prst="straightConnector1">
-            <a:avLst/>
-          </a:prstGeom>
-          <a:ln>
-            <a:solidFill>
-              <a:srgbClr val="00B0F0"/>
-            </a:solidFill>
-            <a:tailEnd type="triangle"/>
-          </a:ln>
-        </p:spPr>
-        <p:style>
-          <a:lnRef idx="2">
-            <a:schemeClr val="accent1"/>
-          </a:lnRef>
-          <a:fillRef idx="0">
-            <a:schemeClr val="accent1"/>
-          </a:fillRef>
-          <a:effectRef idx="1">
-            <a:schemeClr val="accent1"/>
-          </a:effectRef>
-          <a:fontRef idx="minor">
-            <a:schemeClr val="tx1"/>
-          </a:fontRef>
-        </p:style>
-      </p:cxnSp>
-      <p:cxnSp>
-        <p:nvCxnSpPr>
-          <p:cNvPr id="23" name="Straight Arrow Connector 22">
-            <a:extLst>
-              <a:ext uri="{FF2B5EF4-FFF2-40B4-BE49-F238E27FC236}">
-                <a16:creationId xmlns:a16="http://schemas.microsoft.com/office/drawing/2014/main" id="{8AC81320-2ABF-59C3-7786-46E5E68D9466}"/>
-              </a:ext>
-            </a:extLst>
-          </p:cNvPr>
-          <p:cNvCxnSpPr>
-            <a:cxnSpLocks/>
-            <a:endCxn id="8" idx="3"/>
-          </p:cNvCxnSpPr>
-          <p:nvPr/>
-        </p:nvCxnSpPr>
-        <p:spPr>
-          <a:xfrm flipH="1" flipV="1">
-            <a:off x="3962401" y="1109244"/>
-            <a:ext cx="461739" cy="46178"/>
-          </a:xfrm>
-          <a:prstGeom prst="straightConnector1">
-            <a:avLst/>
-          </a:prstGeom>
-          <a:ln>
-            <a:solidFill>
-              <a:schemeClr val="tx1"/>
-            </a:solidFill>
-            <a:tailEnd type="triangle"/>
-          </a:ln>
-        </p:spPr>
-        <p:style>
-          <a:lnRef idx="2">
-            <a:schemeClr val="accent1"/>
-          </a:lnRef>
-          <a:fillRef idx="0">
-            <a:schemeClr val="accent1"/>
-          </a:fillRef>
-          <a:effectRef idx="1">
-            <a:schemeClr val="accent1"/>
-          </a:effectRef>
-          <a:fontRef idx="minor">
-            <a:schemeClr val="tx1"/>
-          </a:fontRef>
-        </p:style>
-      </p:cxnSp>
-      <p:cxnSp>
-        <p:nvCxnSpPr>
-          <p:cNvPr id="26" name="Straight Arrow Connector 25">
-            <a:extLst>
-              <a:ext uri="{FF2B5EF4-FFF2-40B4-BE49-F238E27FC236}">
-                <a16:creationId xmlns:a16="http://schemas.microsoft.com/office/drawing/2014/main" id="{4DD11593-E8C2-CE18-256E-B8FF8DF25E6C}"/>
-              </a:ext>
-            </a:extLst>
-          </p:cNvPr>
-          <p:cNvCxnSpPr>
-            <a:cxnSpLocks/>
-          </p:cNvCxnSpPr>
-          <p:nvPr/>
-        </p:nvCxnSpPr>
-        <p:spPr>
-          <a:xfrm flipH="1">
-            <a:off x="3943811" y="1152528"/>
-            <a:ext cx="480329" cy="427244"/>
-          </a:xfrm>
-          <a:prstGeom prst="straightConnector1">
-            <a:avLst/>
-          </a:prstGeom>
-          <a:ln>
-            <a:solidFill>
-              <a:schemeClr val="tx1"/>
-            </a:solidFill>
-            <a:tailEnd type="triangle"/>
-          </a:ln>
-        </p:spPr>
-        <p:style>
-          <a:lnRef idx="2">
-            <a:schemeClr val="accent1"/>
-          </a:lnRef>
-          <a:fillRef idx="0">
-            <a:schemeClr val="accent1"/>
-          </a:fillRef>
-          <a:effectRef idx="1">
-            <a:schemeClr val="accent1"/>
-          </a:effectRef>
-          <a:fontRef idx="minor">
-            <a:schemeClr val="tx1"/>
-          </a:fontRef>
-        </p:style>
-      </p:cxnSp>
-      <p:cxnSp>
-        <p:nvCxnSpPr>
-          <p:cNvPr id="29" name="Straight Arrow Connector 28">
-            <a:extLst>
-              <a:ext uri="{FF2B5EF4-FFF2-40B4-BE49-F238E27FC236}">
-                <a16:creationId xmlns:a16="http://schemas.microsoft.com/office/drawing/2014/main" id="{4212A83F-B82C-A498-9005-67F1CC919C0F}"/>
-              </a:ext>
-            </a:extLst>
-          </p:cNvPr>
-          <p:cNvCxnSpPr>
-            <a:cxnSpLocks/>
-          </p:cNvCxnSpPr>
-          <p:nvPr/>
-        </p:nvCxnSpPr>
-        <p:spPr>
-          <a:xfrm flipH="1" flipV="1">
-            <a:off x="3839507" y="1746506"/>
-            <a:ext cx="623543" cy="113423"/>
-          </a:xfrm>
-          <a:prstGeom prst="straightConnector1">
-            <a:avLst/>
-          </a:prstGeom>
-          <a:ln>
-            <a:solidFill>
-              <a:srgbClr val="FF0000"/>
-            </a:solidFill>
-            <a:tailEnd type="triangle"/>
-          </a:ln>
-        </p:spPr>
-        <p:style>
-          <a:lnRef idx="2">
-            <a:schemeClr val="accent1"/>
-          </a:lnRef>
-          <a:fillRef idx="0">
-            <a:schemeClr val="accent1"/>
-          </a:fillRef>
-          <a:effectRef idx="1">
-            <a:schemeClr val="accent1"/>
+          <a:effectRef idx="0">
+            <a:scrgbClr r="0" g="0" b="0"/>
           </a:effectRef>
           <a:fontRef idx="minor">
             <a:schemeClr val="tx1"/>
@@ -4395,7 +3864,7 @@
     </p:spTree>
     <p:extLst>
       <p:ext uri="{BB962C8B-B14F-4D97-AF65-F5344CB8AC3E}">
-        <p14:creationId xmlns:p14="http://schemas.microsoft.com/office/powerpoint/2010/main" val="1139121098"/>
+        <p14:creationId xmlns:p14="http://schemas.microsoft.com/office/powerpoint/2010/main" val="2087386179"/>
       </p:ext>
     </p:extLst>
   </p:cSld>
@@ -4424,10 +3893,10 @@
       </p:grpSpPr>
       <p:pic>
         <p:nvPicPr>
-          <p:cNvPr id="5" name="Picture 4">
-            <a:extLst>
-              <a:ext uri="{FF2B5EF4-FFF2-40B4-BE49-F238E27FC236}">
-                <a16:creationId xmlns:a16="http://schemas.microsoft.com/office/drawing/2014/main" id="{9DCEC975-8952-4FDF-7A15-9B33D33E8EE4}"/>
+          <p:cNvPr id="7" name="Picture 6">
+            <a:extLst>
+              <a:ext uri="{FF2B5EF4-FFF2-40B4-BE49-F238E27FC236}">
+                <a16:creationId xmlns:a16="http://schemas.microsoft.com/office/drawing/2014/main" id="{F0D61BBB-1998-F925-85CB-B2644DA2F312}"/>
               </a:ext>
             </a:extLst>
           </p:cNvPr>
@@ -4438,24 +3907,650 @@
         </p:nvPicPr>
         <p:blipFill>
           <a:blip r:embed="rId2"/>
+          <a:srcRect l="2479" t="15867" r="58184" b="25741"/>
           <a:stretch>
             <a:fillRect/>
           </a:stretch>
         </p:blipFill>
         <p:spPr>
           <a:xfrm>
-            <a:off x="3596423" y="601735"/>
-            <a:ext cx="4999153" cy="5654530"/>
+            <a:off x="934721" y="1446675"/>
+            <a:ext cx="3027680" cy="502823"/>
           </a:xfrm>
           <a:prstGeom prst="rect">
             <a:avLst/>
           </a:prstGeom>
         </p:spPr>
       </p:pic>
+      <p:pic>
+        <p:nvPicPr>
+          <p:cNvPr id="8" name="Picture 7">
+            <a:extLst>
+              <a:ext uri="{FF2B5EF4-FFF2-40B4-BE49-F238E27FC236}">
+                <a16:creationId xmlns:a16="http://schemas.microsoft.com/office/drawing/2014/main" id="{AEA9BC1D-0590-A35D-A838-8F063663AF15}"/>
+              </a:ext>
+            </a:extLst>
+          </p:cNvPr>
+          <p:cNvPicPr>
+            <a:picLocks noChangeAspect="1"/>
+          </p:cNvPicPr>
+          <p:nvPr/>
+        </p:nvPicPr>
+        <p:blipFill>
+          <a:blip r:embed="rId2"/>
+          <a:srcRect l="58977" t="40561" r="2306" b="23926"/>
+          <a:stretch>
+            <a:fillRect/>
+          </a:stretch>
+        </p:blipFill>
+        <p:spPr>
+          <a:xfrm>
+            <a:off x="934721" y="953892"/>
+            <a:ext cx="3027680" cy="310704"/>
+          </a:xfrm>
+          <a:prstGeom prst="rect">
+            <a:avLst/>
+          </a:prstGeom>
+        </p:spPr>
+      </p:pic>
+      <p:sp>
+        <p:nvSpPr>
+          <p:cNvPr id="9" name="Rectangle 8">
+            <a:extLst>
+              <a:ext uri="{FF2B5EF4-FFF2-40B4-BE49-F238E27FC236}">
+                <a16:creationId xmlns:a16="http://schemas.microsoft.com/office/drawing/2014/main" id="{DE3ADD2C-BFF3-9E23-C2D4-31608ECBBC25}"/>
+              </a:ext>
+            </a:extLst>
+          </p:cNvPr>
+          <p:cNvSpPr/>
+          <p:nvPr/>
+        </p:nvSpPr>
+        <p:spPr>
+          <a:xfrm>
+            <a:off x="3669272" y="1280160"/>
+            <a:ext cx="276265" cy="150951"/>
+          </a:xfrm>
+          <a:prstGeom prst="rect">
+            <a:avLst/>
+          </a:prstGeom>
+          <a:solidFill>
+            <a:srgbClr val="00B0F0"/>
+          </a:solidFill>
+          <a:ln>
+            <a:solidFill>
+              <a:srgbClr val="00B0F0"/>
+            </a:solidFill>
+          </a:ln>
+        </p:spPr>
+        <p:style>
+          <a:lnRef idx="2">
+            <a:schemeClr val="accent1">
+              <a:shade val="15000"/>
+            </a:schemeClr>
+          </a:lnRef>
+          <a:fillRef idx="1">
+            <a:schemeClr val="accent1"/>
+          </a:fillRef>
+          <a:effectRef idx="0">
+            <a:schemeClr val="accent1"/>
+          </a:effectRef>
+          <a:fontRef idx="minor">
+            <a:schemeClr val="lt1"/>
+          </a:fontRef>
+        </p:style>
+        <p:txBody>
+          <a:bodyPr rtlCol="0" anchor="ctr"/>
+          <a:lstStyle/>
+          <a:p>
+            <a:pPr algn="ctr"/>
+            <a:endParaRPr lang="en-US" dirty="0"/>
+          </a:p>
+        </p:txBody>
+      </p:sp>
+      <p:sp>
+        <p:nvSpPr>
+          <p:cNvPr id="10" name="Rectangle 9">
+            <a:extLst>
+              <a:ext uri="{FF2B5EF4-FFF2-40B4-BE49-F238E27FC236}">
+                <a16:creationId xmlns:a16="http://schemas.microsoft.com/office/drawing/2014/main" id="{6A702AAA-1D2E-D32E-D7D8-F01B0B7A8A7D}"/>
+              </a:ext>
+            </a:extLst>
+          </p:cNvPr>
+          <p:cNvSpPr/>
+          <p:nvPr/>
+        </p:nvSpPr>
+        <p:spPr>
+          <a:xfrm>
+            <a:off x="973413" y="1280159"/>
+            <a:ext cx="276265" cy="150951"/>
+          </a:xfrm>
+          <a:prstGeom prst="rect">
+            <a:avLst/>
+          </a:prstGeom>
+          <a:solidFill>
+            <a:srgbClr val="00B0F0"/>
+          </a:solidFill>
+          <a:ln>
+            <a:solidFill>
+              <a:srgbClr val="00B0F0"/>
+            </a:solidFill>
+          </a:ln>
+        </p:spPr>
+        <p:style>
+          <a:lnRef idx="2">
+            <a:schemeClr val="accent1">
+              <a:shade val="15000"/>
+            </a:schemeClr>
+          </a:lnRef>
+          <a:fillRef idx="1">
+            <a:schemeClr val="accent1"/>
+          </a:fillRef>
+          <a:effectRef idx="0">
+            <a:schemeClr val="accent1"/>
+          </a:effectRef>
+          <a:fontRef idx="minor">
+            <a:schemeClr val="lt1"/>
+          </a:fontRef>
+        </p:style>
+        <p:txBody>
+          <a:bodyPr rtlCol="0" anchor="ctr"/>
+          <a:lstStyle/>
+          <a:p>
+            <a:pPr algn="ctr"/>
+            <a:endParaRPr lang="en-US" dirty="0"/>
+          </a:p>
+        </p:txBody>
+      </p:sp>
+      <p:sp>
+        <p:nvSpPr>
+          <p:cNvPr id="11" name="Rectangle 10">
+            <a:extLst>
+              <a:ext uri="{FF2B5EF4-FFF2-40B4-BE49-F238E27FC236}">
+                <a16:creationId xmlns:a16="http://schemas.microsoft.com/office/drawing/2014/main" id="{EB2ED688-B6BE-2740-99E0-13ECC3E7FEA1}"/>
+              </a:ext>
+            </a:extLst>
+          </p:cNvPr>
+          <p:cNvSpPr/>
+          <p:nvPr/>
+        </p:nvSpPr>
+        <p:spPr>
+          <a:xfrm>
+            <a:off x="2234766" y="1284050"/>
+            <a:ext cx="461741" cy="150951"/>
+          </a:xfrm>
+          <a:prstGeom prst="rect">
+            <a:avLst/>
+          </a:prstGeom>
+          <a:solidFill>
+            <a:srgbClr val="00B0F0"/>
+          </a:solidFill>
+          <a:ln>
+            <a:solidFill>
+              <a:srgbClr val="00B0F0"/>
+            </a:solidFill>
+          </a:ln>
+        </p:spPr>
+        <p:style>
+          <a:lnRef idx="2">
+            <a:schemeClr val="accent1">
+              <a:shade val="15000"/>
+            </a:schemeClr>
+          </a:lnRef>
+          <a:fillRef idx="1">
+            <a:schemeClr val="accent1"/>
+          </a:fillRef>
+          <a:effectRef idx="0">
+            <a:schemeClr val="accent1"/>
+          </a:effectRef>
+          <a:fontRef idx="minor">
+            <a:schemeClr val="lt1"/>
+          </a:fontRef>
+        </p:style>
+        <p:txBody>
+          <a:bodyPr rtlCol="0" anchor="ctr"/>
+          <a:lstStyle/>
+          <a:p>
+            <a:pPr algn="ctr"/>
+            <a:endParaRPr lang="en-US" dirty="0"/>
+          </a:p>
+        </p:txBody>
+      </p:sp>
+      <p:sp>
+        <p:nvSpPr>
+          <p:cNvPr id="12" name="Rectangle: Rounded Corners 11">
+            <a:extLst>
+              <a:ext uri="{FF2B5EF4-FFF2-40B4-BE49-F238E27FC236}">
+                <a16:creationId xmlns:a16="http://schemas.microsoft.com/office/drawing/2014/main" id="{FC995113-5261-C05F-155E-C5C843C873DD}"/>
+              </a:ext>
+            </a:extLst>
+          </p:cNvPr>
+          <p:cNvSpPr/>
+          <p:nvPr/>
+        </p:nvSpPr>
+        <p:spPr>
+          <a:xfrm>
+            <a:off x="2521408" y="1120626"/>
+            <a:ext cx="1287943" cy="743194"/>
+          </a:xfrm>
+          <a:prstGeom prst="roundRect">
+            <a:avLst/>
+          </a:prstGeom>
+          <a:noFill/>
+          <a:ln>
+            <a:solidFill>
+              <a:srgbClr val="FF0000"/>
+            </a:solidFill>
+          </a:ln>
+        </p:spPr>
+        <p:style>
+          <a:lnRef idx="2">
+            <a:schemeClr val="accent1">
+              <a:shade val="15000"/>
+            </a:schemeClr>
+          </a:lnRef>
+          <a:fillRef idx="1">
+            <a:schemeClr val="accent1"/>
+          </a:fillRef>
+          <a:effectRef idx="0">
+            <a:schemeClr val="accent1"/>
+          </a:effectRef>
+          <a:fontRef idx="minor">
+            <a:schemeClr val="lt1"/>
+          </a:fontRef>
+        </p:style>
+        <p:txBody>
+          <a:bodyPr rtlCol="0" anchor="ctr"/>
+          <a:lstStyle/>
+          <a:p>
+            <a:pPr algn="ctr"/>
+            <a:endParaRPr lang="en-US"/>
+          </a:p>
+        </p:txBody>
+      </p:sp>
+      <p:sp>
+        <p:nvSpPr>
+          <p:cNvPr id="13" name="Rectangle: Rounded Corners 12">
+            <a:extLst>
+              <a:ext uri="{FF2B5EF4-FFF2-40B4-BE49-F238E27FC236}">
+                <a16:creationId xmlns:a16="http://schemas.microsoft.com/office/drawing/2014/main" id="{10930D63-F027-0953-EFBC-DD6B864CF9FE}"/>
+              </a:ext>
+            </a:extLst>
+          </p:cNvPr>
+          <p:cNvSpPr/>
+          <p:nvPr/>
+        </p:nvSpPr>
+        <p:spPr>
+          <a:xfrm>
+            <a:off x="1084093" y="1116735"/>
+            <a:ext cx="1287943" cy="743194"/>
+          </a:xfrm>
+          <a:prstGeom prst="roundRect">
+            <a:avLst/>
+          </a:prstGeom>
+          <a:noFill/>
+          <a:ln>
+            <a:solidFill>
+              <a:srgbClr val="FF0000"/>
+            </a:solidFill>
+          </a:ln>
+        </p:spPr>
+        <p:style>
+          <a:lnRef idx="2">
+            <a:schemeClr val="accent1">
+              <a:shade val="15000"/>
+            </a:schemeClr>
+          </a:lnRef>
+          <a:fillRef idx="1">
+            <a:schemeClr val="accent1"/>
+          </a:fillRef>
+          <a:effectRef idx="0">
+            <a:schemeClr val="accent1"/>
+          </a:effectRef>
+          <a:fontRef idx="minor">
+            <a:schemeClr val="lt1"/>
+          </a:fontRef>
+        </p:style>
+        <p:txBody>
+          <a:bodyPr rtlCol="0" anchor="ctr"/>
+          <a:lstStyle/>
+          <a:p>
+            <a:pPr algn="ctr"/>
+            <a:endParaRPr lang="en-US"/>
+          </a:p>
+        </p:txBody>
+      </p:sp>
+      <p:cxnSp>
+        <p:nvCxnSpPr>
+          <p:cNvPr id="15" name="Straight Arrow Connector 14">
+            <a:extLst>
+              <a:ext uri="{FF2B5EF4-FFF2-40B4-BE49-F238E27FC236}">
+                <a16:creationId xmlns:a16="http://schemas.microsoft.com/office/drawing/2014/main" id="{7DF16A85-A2B5-C0FD-77AE-4F31CD408D09}"/>
+              </a:ext>
+            </a:extLst>
+          </p:cNvPr>
+          <p:cNvCxnSpPr>
+            <a:cxnSpLocks/>
+          </p:cNvCxnSpPr>
+          <p:nvPr/>
+        </p:nvCxnSpPr>
+        <p:spPr>
+          <a:xfrm flipH="1">
+            <a:off x="1739294" y="1116730"/>
+            <a:ext cx="73930" cy="0"/>
+          </a:xfrm>
+          <a:prstGeom prst="straightConnector1">
+            <a:avLst/>
+          </a:prstGeom>
+          <a:ln>
+            <a:solidFill>
+              <a:srgbClr val="FF0000"/>
+            </a:solidFill>
+            <a:tailEnd type="triangle"/>
+          </a:ln>
+        </p:spPr>
+        <p:style>
+          <a:lnRef idx="2">
+            <a:schemeClr val="accent1"/>
+          </a:lnRef>
+          <a:fillRef idx="0">
+            <a:schemeClr val="accent1"/>
+          </a:fillRef>
+          <a:effectRef idx="1">
+            <a:schemeClr val="accent1"/>
+          </a:effectRef>
+          <a:fontRef idx="minor">
+            <a:schemeClr val="tx1"/>
+          </a:fontRef>
+        </p:style>
+      </p:cxnSp>
+      <p:cxnSp>
+        <p:nvCxnSpPr>
+          <p:cNvPr id="17" name="Straight Arrow Connector 16">
+            <a:extLst>
+              <a:ext uri="{FF2B5EF4-FFF2-40B4-BE49-F238E27FC236}">
+                <a16:creationId xmlns:a16="http://schemas.microsoft.com/office/drawing/2014/main" id="{1AE979C3-6493-3807-8742-9616F63FB60D}"/>
+              </a:ext>
+            </a:extLst>
+          </p:cNvPr>
+          <p:cNvCxnSpPr>
+            <a:cxnSpLocks/>
+          </p:cNvCxnSpPr>
+          <p:nvPr/>
+        </p:nvCxnSpPr>
+        <p:spPr>
+          <a:xfrm>
+            <a:off x="3094044" y="1125162"/>
+            <a:ext cx="73930" cy="0"/>
+          </a:xfrm>
+          <a:prstGeom prst="straightConnector1">
+            <a:avLst/>
+          </a:prstGeom>
+          <a:ln>
+            <a:solidFill>
+              <a:srgbClr val="FF0000"/>
+            </a:solidFill>
+            <a:tailEnd type="triangle"/>
+          </a:ln>
+        </p:spPr>
+        <p:style>
+          <a:lnRef idx="2">
+            <a:schemeClr val="accent1"/>
+          </a:lnRef>
+          <a:fillRef idx="0">
+            <a:schemeClr val="accent1"/>
+          </a:fillRef>
+          <a:effectRef idx="1">
+            <a:schemeClr val="accent1"/>
+          </a:effectRef>
+          <a:fontRef idx="minor">
+            <a:schemeClr val="tx1"/>
+          </a:fontRef>
+        </p:style>
+      </p:cxnSp>
+      <p:sp>
+        <p:nvSpPr>
+          <p:cNvPr id="18" name="TextBox 17">
+            <a:extLst>
+              <a:ext uri="{FF2B5EF4-FFF2-40B4-BE49-F238E27FC236}">
+                <a16:creationId xmlns:a16="http://schemas.microsoft.com/office/drawing/2014/main" id="{8930ADD4-11D3-EA26-208E-2DC6464F1CFE}"/>
+              </a:ext>
+            </a:extLst>
+          </p:cNvPr>
+          <p:cNvSpPr txBox="1"/>
+          <p:nvPr/>
+        </p:nvSpPr>
+        <p:spPr>
+          <a:xfrm>
+            <a:off x="4372258" y="980500"/>
+            <a:ext cx="1723742" cy="1015663"/>
+          </a:xfrm>
+          <a:prstGeom prst="rect">
+            <a:avLst/>
+          </a:prstGeom>
+          <a:noFill/>
+        </p:spPr>
+        <p:txBody>
+          <a:bodyPr wrap="square" rtlCol="0">
+            <a:spAutoFit/>
+          </a:bodyPr>
+          <a:lstStyle/>
+          <a:p>
+            <a:r>
+              <a:rPr lang="en-US" sz="1200" noProof="0" dirty="0"/>
+              <a:t>Magnetic core</a:t>
+            </a:r>
+          </a:p>
+          <a:p>
+            <a:endParaRPr lang="en-US" sz="1200" noProof="0" dirty="0"/>
+          </a:p>
+          <a:p>
+            <a:r>
+              <a:rPr lang="en-US" sz="1200" noProof="0" dirty="0">
+                <a:solidFill>
+                  <a:srgbClr val="00B0F0"/>
+                </a:solidFill>
+              </a:rPr>
+              <a:t>The insulation material</a:t>
+            </a:r>
+          </a:p>
+          <a:p>
+            <a:endParaRPr lang="en-US" sz="1200" noProof="0" dirty="0"/>
+          </a:p>
+          <a:p>
+            <a:r>
+              <a:rPr lang="en-US" sz="1200" noProof="0" dirty="0">
+                <a:solidFill>
+                  <a:srgbClr val="FF0000"/>
+                </a:solidFill>
+              </a:rPr>
+              <a:t>The magnetic path</a:t>
+            </a:r>
+          </a:p>
+        </p:txBody>
+      </p:sp>
+      <p:cxnSp>
+        <p:nvCxnSpPr>
+          <p:cNvPr id="21" name="Straight Arrow Connector 20">
+            <a:extLst>
+              <a:ext uri="{FF2B5EF4-FFF2-40B4-BE49-F238E27FC236}">
+                <a16:creationId xmlns:a16="http://schemas.microsoft.com/office/drawing/2014/main" id="{BD6C1C15-F99C-834C-5309-99B56A24E0EF}"/>
+              </a:ext>
+            </a:extLst>
+          </p:cNvPr>
+          <p:cNvCxnSpPr>
+            <a:cxnSpLocks/>
+            <a:stCxn id="18" idx="1"/>
+            <a:endCxn id="9" idx="3"/>
+          </p:cNvCxnSpPr>
+          <p:nvPr/>
+        </p:nvCxnSpPr>
+        <p:spPr>
+          <a:xfrm flipH="1" flipV="1">
+            <a:off x="3945537" y="1355636"/>
+            <a:ext cx="426721" cy="132696"/>
+          </a:xfrm>
+          <a:prstGeom prst="straightConnector1">
+            <a:avLst/>
+          </a:prstGeom>
+          <a:ln>
+            <a:solidFill>
+              <a:srgbClr val="00B0F0"/>
+            </a:solidFill>
+            <a:tailEnd type="triangle"/>
+          </a:ln>
+        </p:spPr>
+        <p:style>
+          <a:lnRef idx="2">
+            <a:schemeClr val="accent1"/>
+          </a:lnRef>
+          <a:fillRef idx="0">
+            <a:schemeClr val="accent1"/>
+          </a:fillRef>
+          <a:effectRef idx="1">
+            <a:schemeClr val="accent1"/>
+          </a:effectRef>
+          <a:fontRef idx="minor">
+            <a:schemeClr val="tx1"/>
+          </a:fontRef>
+        </p:style>
+      </p:cxnSp>
+      <p:cxnSp>
+        <p:nvCxnSpPr>
+          <p:cNvPr id="23" name="Straight Arrow Connector 22">
+            <a:extLst>
+              <a:ext uri="{FF2B5EF4-FFF2-40B4-BE49-F238E27FC236}">
+                <a16:creationId xmlns:a16="http://schemas.microsoft.com/office/drawing/2014/main" id="{8AC81320-2ABF-59C3-7786-46E5E68D9466}"/>
+              </a:ext>
+            </a:extLst>
+          </p:cNvPr>
+          <p:cNvCxnSpPr>
+            <a:cxnSpLocks/>
+            <a:endCxn id="8" idx="3"/>
+          </p:cNvCxnSpPr>
+          <p:nvPr/>
+        </p:nvCxnSpPr>
+        <p:spPr>
+          <a:xfrm flipH="1" flipV="1">
+            <a:off x="3962401" y="1109244"/>
+            <a:ext cx="461739" cy="46178"/>
+          </a:xfrm>
+          <a:prstGeom prst="straightConnector1">
+            <a:avLst/>
+          </a:prstGeom>
+          <a:ln>
+            <a:solidFill>
+              <a:schemeClr val="tx1"/>
+            </a:solidFill>
+            <a:tailEnd type="triangle"/>
+          </a:ln>
+        </p:spPr>
+        <p:style>
+          <a:lnRef idx="2">
+            <a:schemeClr val="accent1"/>
+          </a:lnRef>
+          <a:fillRef idx="0">
+            <a:schemeClr val="accent1"/>
+          </a:fillRef>
+          <a:effectRef idx="1">
+            <a:schemeClr val="accent1"/>
+          </a:effectRef>
+          <a:fontRef idx="minor">
+            <a:schemeClr val="tx1"/>
+          </a:fontRef>
+        </p:style>
+      </p:cxnSp>
+      <p:cxnSp>
+        <p:nvCxnSpPr>
+          <p:cNvPr id="26" name="Straight Arrow Connector 25">
+            <a:extLst>
+              <a:ext uri="{FF2B5EF4-FFF2-40B4-BE49-F238E27FC236}">
+                <a16:creationId xmlns:a16="http://schemas.microsoft.com/office/drawing/2014/main" id="{4DD11593-E8C2-CE18-256E-B8FF8DF25E6C}"/>
+              </a:ext>
+            </a:extLst>
+          </p:cNvPr>
+          <p:cNvCxnSpPr>
+            <a:cxnSpLocks/>
+          </p:cNvCxnSpPr>
+          <p:nvPr/>
+        </p:nvCxnSpPr>
+        <p:spPr>
+          <a:xfrm flipH="1">
+            <a:off x="3943811" y="1152528"/>
+            <a:ext cx="480329" cy="427244"/>
+          </a:xfrm>
+          <a:prstGeom prst="straightConnector1">
+            <a:avLst/>
+          </a:prstGeom>
+          <a:ln>
+            <a:solidFill>
+              <a:schemeClr val="tx1"/>
+            </a:solidFill>
+            <a:tailEnd type="triangle"/>
+          </a:ln>
+        </p:spPr>
+        <p:style>
+          <a:lnRef idx="2">
+            <a:schemeClr val="accent1"/>
+          </a:lnRef>
+          <a:fillRef idx="0">
+            <a:schemeClr val="accent1"/>
+          </a:fillRef>
+          <a:effectRef idx="1">
+            <a:schemeClr val="accent1"/>
+          </a:effectRef>
+          <a:fontRef idx="minor">
+            <a:schemeClr val="tx1"/>
+          </a:fontRef>
+        </p:style>
+      </p:cxnSp>
+      <p:cxnSp>
+        <p:nvCxnSpPr>
+          <p:cNvPr id="29" name="Straight Arrow Connector 28">
+            <a:extLst>
+              <a:ext uri="{FF2B5EF4-FFF2-40B4-BE49-F238E27FC236}">
+                <a16:creationId xmlns:a16="http://schemas.microsoft.com/office/drawing/2014/main" id="{4212A83F-B82C-A498-9005-67F1CC919C0F}"/>
+              </a:ext>
+            </a:extLst>
+          </p:cNvPr>
+          <p:cNvCxnSpPr>
+            <a:cxnSpLocks/>
+          </p:cNvCxnSpPr>
+          <p:nvPr/>
+        </p:nvCxnSpPr>
+        <p:spPr>
+          <a:xfrm flipH="1" flipV="1">
+            <a:off x="3839507" y="1746506"/>
+            <a:ext cx="623543" cy="113423"/>
+          </a:xfrm>
+          <a:prstGeom prst="straightConnector1">
+            <a:avLst/>
+          </a:prstGeom>
+          <a:ln>
+            <a:solidFill>
+              <a:srgbClr val="FF0000"/>
+            </a:solidFill>
+            <a:tailEnd type="triangle"/>
+          </a:ln>
+        </p:spPr>
+        <p:style>
+          <a:lnRef idx="2">
+            <a:schemeClr val="accent1"/>
+          </a:lnRef>
+          <a:fillRef idx="0">
+            <a:schemeClr val="accent1"/>
+          </a:fillRef>
+          <a:effectRef idx="1">
+            <a:schemeClr val="accent1"/>
+          </a:effectRef>
+          <a:fontRef idx="minor">
+            <a:schemeClr val="tx1"/>
+          </a:fontRef>
+        </p:style>
+      </p:cxnSp>
     </p:spTree>
     <p:extLst>
       <p:ext uri="{BB962C8B-B14F-4D97-AF65-F5344CB8AC3E}">
-        <p14:creationId xmlns:p14="http://schemas.microsoft.com/office/powerpoint/2010/main" val="1577024349"/>
+        <p14:creationId xmlns:p14="http://schemas.microsoft.com/office/powerpoint/2010/main" val="1139121098"/>
       </p:ext>
     </p:extLst>
   </p:cSld>
@@ -4484,10 +4579,10 @@
       </p:grpSpPr>
       <p:pic>
         <p:nvPicPr>
-          <p:cNvPr id="9" name="Picture 8">
-            <a:extLst>
-              <a:ext uri="{FF2B5EF4-FFF2-40B4-BE49-F238E27FC236}">
-                <a16:creationId xmlns:a16="http://schemas.microsoft.com/office/drawing/2014/main" id="{3BC76D97-3747-5979-8E3F-4F0AFC1F8692}"/>
+          <p:cNvPr id="5" name="Picture 4">
+            <a:extLst>
+              <a:ext uri="{FF2B5EF4-FFF2-40B4-BE49-F238E27FC236}">
+                <a16:creationId xmlns:a16="http://schemas.microsoft.com/office/drawing/2014/main" id="{9DCEC975-8952-4FDF-7A15-9B33D33E8EE4}"/>
               </a:ext>
             </a:extLst>
           </p:cNvPr>
@@ -4504,68 +4599,18 @@
         </p:blipFill>
         <p:spPr>
           <a:xfrm>
-            <a:off x="0" y="895890"/>
-            <a:ext cx="12192000" cy="5066220"/>
+            <a:off x="3596423" y="601735"/>
+            <a:ext cx="4999153" cy="5654530"/>
           </a:xfrm>
           <a:prstGeom prst="rect">
             <a:avLst/>
           </a:prstGeom>
         </p:spPr>
       </p:pic>
-      <p:sp>
-        <p:nvSpPr>
-          <p:cNvPr id="10" name="Rectangle 9">
-            <a:extLst>
-              <a:ext uri="{FF2B5EF4-FFF2-40B4-BE49-F238E27FC236}">
-                <a16:creationId xmlns:a16="http://schemas.microsoft.com/office/drawing/2014/main" id="{75727877-4A8F-1AF7-8DCC-9A98C7B5EBE1}"/>
-              </a:ext>
-            </a:extLst>
-          </p:cNvPr>
-          <p:cNvSpPr/>
-          <p:nvPr/>
-        </p:nvSpPr>
-        <p:spPr>
-          <a:xfrm>
-            <a:off x="5035896" y="651856"/>
-            <a:ext cx="914400" cy="914400"/>
-          </a:xfrm>
-          <a:prstGeom prst="rect">
-            <a:avLst/>
-          </a:prstGeom>
-        </p:spPr>
-        <p:style>
-          <a:lnRef idx="2">
-            <a:schemeClr val="accent1">
-              <a:shade val="15000"/>
-            </a:schemeClr>
-          </a:lnRef>
-          <a:fillRef idx="1">
-            <a:schemeClr val="accent1"/>
-          </a:fillRef>
-          <a:effectRef idx="0">
-            <a:schemeClr val="accent1"/>
-          </a:effectRef>
-          <a:fontRef idx="minor">
-            <a:schemeClr val="lt1"/>
-          </a:fontRef>
-        </p:style>
-        <p:txBody>
-          <a:bodyPr rtlCol="0" anchor="ctr"/>
-          <a:lstStyle/>
-          <a:p>
-            <a:pPr algn="ctr"/>
-            <a:r>
-              <a:rPr lang="fr-FR" dirty="0"/>
-              <a:t>LR</a:t>
-            </a:r>
-            <a:endParaRPr lang="en-US" dirty="0"/>
-          </a:p>
-        </p:txBody>
-      </p:sp>
     </p:spTree>
     <p:extLst>
       <p:ext uri="{BB962C8B-B14F-4D97-AF65-F5344CB8AC3E}">
-        <p14:creationId xmlns:p14="http://schemas.microsoft.com/office/powerpoint/2010/main" val="909662317"/>
+        <p14:creationId xmlns:p14="http://schemas.microsoft.com/office/powerpoint/2010/main" val="1577024349"/>
       </p:ext>
     </p:extLst>
   </p:cSld>
@@ -4594,10 +4639,10 @@
       </p:grpSpPr>
       <p:pic>
         <p:nvPicPr>
-          <p:cNvPr id="5" name="Picture 4">
-            <a:extLst>
-              <a:ext uri="{FF2B5EF4-FFF2-40B4-BE49-F238E27FC236}">
-                <a16:creationId xmlns:a16="http://schemas.microsoft.com/office/drawing/2014/main" id="{EB70EF58-1B10-A5B8-B264-3AF11739B288}"/>
+          <p:cNvPr id="9" name="Picture 8">
+            <a:extLst>
+              <a:ext uri="{FF2B5EF4-FFF2-40B4-BE49-F238E27FC236}">
+                <a16:creationId xmlns:a16="http://schemas.microsoft.com/office/drawing/2014/main" id="{3BC76D97-3747-5979-8E3F-4F0AFC1F8692}"/>
               </a:ext>
             </a:extLst>
           </p:cNvPr>
@@ -4622,10 +4667,60 @@
           </a:prstGeom>
         </p:spPr>
       </p:pic>
+      <p:sp>
+        <p:nvSpPr>
+          <p:cNvPr id="10" name="Rectangle 9">
+            <a:extLst>
+              <a:ext uri="{FF2B5EF4-FFF2-40B4-BE49-F238E27FC236}">
+                <a16:creationId xmlns:a16="http://schemas.microsoft.com/office/drawing/2014/main" id="{75727877-4A8F-1AF7-8DCC-9A98C7B5EBE1}"/>
+              </a:ext>
+            </a:extLst>
+          </p:cNvPr>
+          <p:cNvSpPr/>
+          <p:nvPr/>
+        </p:nvSpPr>
+        <p:spPr>
+          <a:xfrm>
+            <a:off x="5035896" y="651856"/>
+            <a:ext cx="914400" cy="914400"/>
+          </a:xfrm>
+          <a:prstGeom prst="rect">
+            <a:avLst/>
+          </a:prstGeom>
+        </p:spPr>
+        <p:style>
+          <a:lnRef idx="2">
+            <a:schemeClr val="accent1">
+              <a:shade val="15000"/>
+            </a:schemeClr>
+          </a:lnRef>
+          <a:fillRef idx="1">
+            <a:schemeClr val="accent1"/>
+          </a:fillRef>
+          <a:effectRef idx="0">
+            <a:schemeClr val="accent1"/>
+          </a:effectRef>
+          <a:fontRef idx="minor">
+            <a:schemeClr val="lt1"/>
+          </a:fontRef>
+        </p:style>
+        <p:txBody>
+          <a:bodyPr rtlCol="0" anchor="ctr"/>
+          <a:lstStyle/>
+          <a:p>
+            <a:pPr algn="ctr"/>
+            <a:r>
+              <a:rPr lang="fr-FR" dirty="0"/>
+              <a:t>LR</a:t>
+            </a:r>
+            <a:endParaRPr lang="en-US" dirty="0"/>
+          </a:p>
+        </p:txBody>
+      </p:sp>
     </p:spTree>
     <p:extLst>
       <p:ext uri="{BB962C8B-B14F-4D97-AF65-F5344CB8AC3E}">
-        <p14:creationId xmlns:p14="http://schemas.microsoft.com/office/powerpoint/2010/main" val="1772117277"/>
+        <p14:creationId xmlns:p14="http://schemas.microsoft.com/office/powerpoint/2010/main" val="909662317"/>
       </p:ext>
     </p:extLst>
   </p:cSld>
@@ -4654,10 +4749,10 @@
       </p:grpSpPr>
       <p:pic>
         <p:nvPicPr>
-          <p:cNvPr id="10" name="Picture 9">
-            <a:extLst>
-              <a:ext uri="{FF2B5EF4-FFF2-40B4-BE49-F238E27FC236}">
-                <a16:creationId xmlns:a16="http://schemas.microsoft.com/office/drawing/2014/main" id="{C0A5568E-75BF-9D76-F2B9-7A2BAA14A426}"/>
+          <p:cNvPr id="5" name="Picture 4">
+            <a:extLst>
+              <a:ext uri="{FF2B5EF4-FFF2-40B4-BE49-F238E27FC236}">
+                <a16:creationId xmlns:a16="http://schemas.microsoft.com/office/drawing/2014/main" id="{EB70EF58-1B10-A5B8-B264-3AF11739B288}"/>
               </a:ext>
             </a:extLst>
           </p:cNvPr>
@@ -4668,511 +4763,24 @@
         </p:nvPicPr>
         <p:blipFill>
           <a:blip r:embed="rId2"/>
-          <a:srcRect l="21821" t="12876" r="23032" b="23986"/>
           <a:stretch>
             <a:fillRect/>
           </a:stretch>
         </p:blipFill>
         <p:spPr>
           <a:xfrm>
-            <a:off x="6024245" y="2999740"/>
-            <a:ext cx="924560" cy="591820"/>
+            <a:off x="0" y="895890"/>
+            <a:ext cx="12192000" cy="5066220"/>
           </a:xfrm>
           <a:prstGeom prst="rect">
             <a:avLst/>
           </a:prstGeom>
         </p:spPr>
       </p:pic>
-      <p:sp>
-        <p:nvSpPr>
-          <p:cNvPr id="11" name="Rectangle 10">
-            <a:extLst>
-              <a:ext uri="{FF2B5EF4-FFF2-40B4-BE49-F238E27FC236}">
-                <a16:creationId xmlns:a16="http://schemas.microsoft.com/office/drawing/2014/main" id="{23EAAF5D-7BA6-18D2-3D87-BBB366CA6FB4}"/>
-              </a:ext>
-            </a:extLst>
-          </p:cNvPr>
-          <p:cNvSpPr/>
-          <p:nvPr/>
-        </p:nvSpPr>
-        <p:spPr>
-          <a:xfrm>
-            <a:off x="6189345" y="2849880"/>
-            <a:ext cx="49530" cy="920115"/>
-          </a:xfrm>
-          <a:prstGeom prst="rect">
-            <a:avLst/>
-          </a:prstGeom>
-          <a:solidFill>
-            <a:schemeClr val="accent2"/>
-          </a:solidFill>
-          <a:ln>
-            <a:solidFill>
-              <a:schemeClr val="accent2"/>
-            </a:solidFill>
-          </a:ln>
-        </p:spPr>
-        <p:style>
-          <a:lnRef idx="2">
-            <a:schemeClr val="accent1">
-              <a:shade val="15000"/>
-            </a:schemeClr>
-          </a:lnRef>
-          <a:fillRef idx="1">
-            <a:schemeClr val="accent1"/>
-          </a:fillRef>
-          <a:effectRef idx="0">
-            <a:schemeClr val="accent1"/>
-          </a:effectRef>
-          <a:fontRef idx="minor">
-            <a:schemeClr val="lt1"/>
-          </a:fontRef>
-        </p:style>
-        <p:txBody>
-          <a:bodyPr rtlCol="0" anchor="ctr"/>
-          <a:lstStyle/>
-          <a:p>
-            <a:pPr algn="ctr"/>
-            <a:endParaRPr lang="en-US"/>
-          </a:p>
-        </p:txBody>
-      </p:sp>
-      <p:sp>
-        <p:nvSpPr>
-          <p:cNvPr id="12" name="Rectangle 11">
-            <a:extLst>
-              <a:ext uri="{FF2B5EF4-FFF2-40B4-BE49-F238E27FC236}">
-                <a16:creationId xmlns:a16="http://schemas.microsoft.com/office/drawing/2014/main" id="{51396FEB-81BA-CA0F-0656-6F52634D24FC}"/>
-              </a:ext>
-            </a:extLst>
-          </p:cNvPr>
-          <p:cNvSpPr/>
-          <p:nvPr/>
-        </p:nvSpPr>
-        <p:spPr>
-          <a:xfrm>
-            <a:off x="6278880" y="2930842"/>
-            <a:ext cx="45719" cy="849313"/>
-          </a:xfrm>
-          <a:prstGeom prst="rect">
-            <a:avLst/>
-          </a:prstGeom>
-          <a:solidFill>
-            <a:schemeClr val="accent2"/>
-          </a:solidFill>
-          <a:ln>
-            <a:solidFill>
-              <a:schemeClr val="accent2"/>
-            </a:solidFill>
-          </a:ln>
-        </p:spPr>
-        <p:style>
-          <a:lnRef idx="2">
-            <a:schemeClr val="accent1">
-              <a:shade val="15000"/>
-            </a:schemeClr>
-          </a:lnRef>
-          <a:fillRef idx="1">
-            <a:schemeClr val="accent1"/>
-          </a:fillRef>
-          <a:effectRef idx="0">
-            <a:schemeClr val="accent1"/>
-          </a:effectRef>
-          <a:fontRef idx="minor">
-            <a:schemeClr val="lt1"/>
-          </a:fontRef>
-        </p:style>
-        <p:txBody>
-          <a:bodyPr rtlCol="0" anchor="ctr"/>
-          <a:lstStyle/>
-          <a:p>
-            <a:pPr algn="ctr"/>
-            <a:endParaRPr lang="en-US"/>
-          </a:p>
-        </p:txBody>
-      </p:sp>
-      <p:sp>
-        <p:nvSpPr>
-          <p:cNvPr id="13" name="Rectangle 12">
-            <a:extLst>
-              <a:ext uri="{FF2B5EF4-FFF2-40B4-BE49-F238E27FC236}">
-                <a16:creationId xmlns:a16="http://schemas.microsoft.com/office/drawing/2014/main" id="{7C771884-9CC0-F138-EF8A-B2A4B0F642D4}"/>
-              </a:ext>
-            </a:extLst>
-          </p:cNvPr>
-          <p:cNvSpPr/>
-          <p:nvPr/>
-        </p:nvSpPr>
-        <p:spPr>
-          <a:xfrm>
-            <a:off x="6654165" y="2925129"/>
-            <a:ext cx="45719" cy="766762"/>
-          </a:xfrm>
-          <a:prstGeom prst="rect">
-            <a:avLst/>
-          </a:prstGeom>
-          <a:solidFill>
-            <a:schemeClr val="accent2"/>
-          </a:solidFill>
-          <a:ln>
-            <a:solidFill>
-              <a:schemeClr val="accent2"/>
-            </a:solidFill>
-          </a:ln>
-        </p:spPr>
-        <p:style>
-          <a:lnRef idx="2">
-            <a:schemeClr val="accent1">
-              <a:shade val="15000"/>
-            </a:schemeClr>
-          </a:lnRef>
-          <a:fillRef idx="1">
-            <a:schemeClr val="accent1"/>
-          </a:fillRef>
-          <a:effectRef idx="0">
-            <a:schemeClr val="accent1"/>
-          </a:effectRef>
-          <a:fontRef idx="minor">
-            <a:schemeClr val="lt1"/>
-          </a:fontRef>
-        </p:style>
-        <p:txBody>
-          <a:bodyPr rtlCol="0" anchor="ctr"/>
-          <a:lstStyle/>
-          <a:p>
-            <a:pPr algn="ctr"/>
-            <a:endParaRPr lang="en-US"/>
-          </a:p>
-        </p:txBody>
-      </p:sp>
-      <p:sp>
-        <p:nvSpPr>
-          <p:cNvPr id="14" name="Rectangle 13">
-            <a:extLst>
-              <a:ext uri="{FF2B5EF4-FFF2-40B4-BE49-F238E27FC236}">
-                <a16:creationId xmlns:a16="http://schemas.microsoft.com/office/drawing/2014/main" id="{CA6BDAE7-818B-4960-9A1E-5F122B24F0F6}"/>
-              </a:ext>
-            </a:extLst>
-          </p:cNvPr>
-          <p:cNvSpPr/>
-          <p:nvPr/>
-        </p:nvSpPr>
-        <p:spPr>
-          <a:xfrm>
-            <a:off x="6739890" y="2849880"/>
-            <a:ext cx="49530" cy="920115"/>
-          </a:xfrm>
-          <a:prstGeom prst="rect">
-            <a:avLst/>
-          </a:prstGeom>
-          <a:solidFill>
-            <a:schemeClr val="accent2"/>
-          </a:solidFill>
-          <a:ln>
-            <a:solidFill>
-              <a:schemeClr val="accent2"/>
-            </a:solidFill>
-          </a:ln>
-        </p:spPr>
-        <p:style>
-          <a:lnRef idx="2">
-            <a:schemeClr val="accent1">
-              <a:shade val="15000"/>
-            </a:schemeClr>
-          </a:lnRef>
-          <a:fillRef idx="1">
-            <a:schemeClr val="accent1"/>
-          </a:fillRef>
-          <a:effectRef idx="0">
-            <a:schemeClr val="accent1"/>
-          </a:effectRef>
-          <a:fontRef idx="minor">
-            <a:schemeClr val="lt1"/>
-          </a:fontRef>
-        </p:style>
-        <p:txBody>
-          <a:bodyPr rtlCol="0" anchor="ctr"/>
-          <a:lstStyle/>
-          <a:p>
-            <a:pPr algn="ctr"/>
-            <a:endParaRPr lang="en-US"/>
-          </a:p>
-        </p:txBody>
-      </p:sp>
-      <p:sp>
-        <p:nvSpPr>
-          <p:cNvPr id="15" name="Rectangle 14">
-            <a:extLst>
-              <a:ext uri="{FF2B5EF4-FFF2-40B4-BE49-F238E27FC236}">
-                <a16:creationId xmlns:a16="http://schemas.microsoft.com/office/drawing/2014/main" id="{C45213BD-49CA-35C8-17D6-CACC71CD984F}"/>
-              </a:ext>
-            </a:extLst>
-          </p:cNvPr>
-          <p:cNvSpPr/>
-          <p:nvPr/>
-        </p:nvSpPr>
-        <p:spPr>
-          <a:xfrm rot="5400000">
-            <a:off x="6466045" y="2737963"/>
-            <a:ext cx="46674" cy="421005"/>
-          </a:xfrm>
-          <a:prstGeom prst="rect">
-            <a:avLst/>
-          </a:prstGeom>
-          <a:solidFill>
-            <a:schemeClr val="accent2"/>
-          </a:solidFill>
-          <a:ln>
-            <a:solidFill>
-              <a:schemeClr val="accent2"/>
-            </a:solidFill>
-          </a:ln>
-        </p:spPr>
-        <p:style>
-          <a:lnRef idx="2">
-            <a:schemeClr val="accent1">
-              <a:shade val="15000"/>
-            </a:schemeClr>
-          </a:lnRef>
-          <a:fillRef idx="1">
-            <a:schemeClr val="accent1"/>
-          </a:fillRef>
-          <a:effectRef idx="0">
-            <a:schemeClr val="accent1"/>
-          </a:effectRef>
-          <a:fontRef idx="minor">
-            <a:schemeClr val="lt1"/>
-          </a:fontRef>
-        </p:style>
-        <p:txBody>
-          <a:bodyPr rtlCol="0" anchor="ctr"/>
-          <a:lstStyle/>
-          <a:p>
-            <a:pPr algn="ctr"/>
-            <a:endParaRPr lang="en-US" dirty="0"/>
-          </a:p>
-        </p:txBody>
-      </p:sp>
-      <p:sp>
-        <p:nvSpPr>
-          <p:cNvPr id="16" name="Rectangle 15">
-            <a:extLst>
-              <a:ext uri="{FF2B5EF4-FFF2-40B4-BE49-F238E27FC236}">
-                <a16:creationId xmlns:a16="http://schemas.microsoft.com/office/drawing/2014/main" id="{3F26D43D-05E9-3309-E8F8-40F4C555F107}"/>
-              </a:ext>
-            </a:extLst>
-          </p:cNvPr>
-          <p:cNvSpPr/>
-          <p:nvPr/>
-        </p:nvSpPr>
-        <p:spPr>
-          <a:xfrm rot="5400000">
-            <a:off x="6466522" y="2563972"/>
-            <a:ext cx="45719" cy="600075"/>
-          </a:xfrm>
-          <a:prstGeom prst="rect">
-            <a:avLst/>
-          </a:prstGeom>
-          <a:solidFill>
-            <a:schemeClr val="accent2"/>
-          </a:solidFill>
-          <a:ln>
-            <a:solidFill>
-              <a:schemeClr val="accent2"/>
-            </a:solidFill>
-          </a:ln>
-        </p:spPr>
-        <p:style>
-          <a:lnRef idx="2">
-            <a:schemeClr val="accent1">
-              <a:shade val="15000"/>
-            </a:schemeClr>
-          </a:lnRef>
-          <a:fillRef idx="1">
-            <a:schemeClr val="accent1"/>
-          </a:fillRef>
-          <a:effectRef idx="0">
-            <a:schemeClr val="accent1"/>
-          </a:effectRef>
-          <a:fontRef idx="minor">
-            <a:schemeClr val="lt1"/>
-          </a:fontRef>
-        </p:style>
-        <p:txBody>
-          <a:bodyPr rtlCol="0" anchor="ctr"/>
-          <a:lstStyle/>
-          <a:p>
-            <a:pPr algn="ctr"/>
-            <a:endParaRPr lang="en-US" dirty="0"/>
-          </a:p>
-        </p:txBody>
-      </p:sp>
-      <p:sp>
-        <p:nvSpPr>
-          <p:cNvPr id="17" name="Rectangle 16">
-            <a:extLst>
-              <a:ext uri="{FF2B5EF4-FFF2-40B4-BE49-F238E27FC236}">
-                <a16:creationId xmlns:a16="http://schemas.microsoft.com/office/drawing/2014/main" id="{CBEDB1D9-894B-BC88-DED1-01428DFFF73D}"/>
-              </a:ext>
-            </a:extLst>
-          </p:cNvPr>
-          <p:cNvSpPr/>
-          <p:nvPr/>
-        </p:nvSpPr>
-        <p:spPr>
-          <a:xfrm rot="5400000">
-            <a:off x="6518910" y="3509645"/>
-            <a:ext cx="45719" cy="495300"/>
-          </a:xfrm>
-          <a:prstGeom prst="rect">
-            <a:avLst/>
-          </a:prstGeom>
-          <a:solidFill>
-            <a:schemeClr val="accent2"/>
-          </a:solidFill>
-          <a:ln>
-            <a:solidFill>
-              <a:schemeClr val="accent2"/>
-            </a:solidFill>
-          </a:ln>
-        </p:spPr>
-        <p:style>
-          <a:lnRef idx="2">
-            <a:schemeClr val="accent1">
-              <a:shade val="15000"/>
-            </a:schemeClr>
-          </a:lnRef>
-          <a:fillRef idx="1">
-            <a:schemeClr val="accent1"/>
-          </a:fillRef>
-          <a:effectRef idx="0">
-            <a:schemeClr val="accent1"/>
-          </a:effectRef>
-          <a:fontRef idx="minor">
-            <a:schemeClr val="lt1"/>
-          </a:fontRef>
-        </p:style>
-        <p:txBody>
-          <a:bodyPr rtlCol="0" anchor="ctr"/>
-          <a:lstStyle/>
-          <a:p>
-            <a:pPr algn="ctr"/>
-            <a:endParaRPr lang="en-US" dirty="0"/>
-          </a:p>
-        </p:txBody>
-      </p:sp>
-      <p:sp>
-        <p:nvSpPr>
-          <p:cNvPr id="21" name="Oval 20">
-            <a:extLst>
-              <a:ext uri="{FF2B5EF4-FFF2-40B4-BE49-F238E27FC236}">
-                <a16:creationId xmlns:a16="http://schemas.microsoft.com/office/drawing/2014/main" id="{B2758C4C-760D-C26A-42FF-D7148F1B4DF6}"/>
-              </a:ext>
-            </a:extLst>
-          </p:cNvPr>
-          <p:cNvSpPr/>
-          <p:nvPr/>
-        </p:nvSpPr>
-        <p:spPr>
-          <a:xfrm>
-            <a:off x="6190299" y="3724274"/>
-            <a:ext cx="45719" cy="45721"/>
-          </a:xfrm>
-          <a:prstGeom prst="ellipse">
-            <a:avLst/>
-          </a:prstGeom>
-          <a:solidFill>
-            <a:srgbClr val="FFC000"/>
-          </a:solidFill>
-          <a:ln>
-            <a:solidFill>
-              <a:srgbClr val="FFFF00"/>
-            </a:solidFill>
-          </a:ln>
-        </p:spPr>
-        <p:style>
-          <a:lnRef idx="2">
-            <a:schemeClr val="accent1">
-              <a:shade val="15000"/>
-            </a:schemeClr>
-          </a:lnRef>
-          <a:fillRef idx="1">
-            <a:schemeClr val="accent1"/>
-          </a:fillRef>
-          <a:effectRef idx="0">
-            <a:schemeClr val="accent1"/>
-          </a:effectRef>
-          <a:fontRef idx="minor">
-            <a:schemeClr val="lt1"/>
-          </a:fontRef>
-        </p:style>
-        <p:txBody>
-          <a:bodyPr rtlCol="0" anchor="ctr"/>
-          <a:lstStyle/>
-          <a:p>
-            <a:pPr algn="ctr"/>
-            <a:endParaRPr lang="en-US" dirty="0"/>
-          </a:p>
-        </p:txBody>
-      </p:sp>
-      <p:sp>
-        <p:nvSpPr>
-          <p:cNvPr id="22" name="Oval 21">
-            <a:extLst>
-              <a:ext uri="{FF2B5EF4-FFF2-40B4-BE49-F238E27FC236}">
-                <a16:creationId xmlns:a16="http://schemas.microsoft.com/office/drawing/2014/main" id="{C261E8C7-609F-514C-F419-51F5B7AF1294}"/>
-              </a:ext>
-            </a:extLst>
-          </p:cNvPr>
-          <p:cNvSpPr/>
-          <p:nvPr/>
-        </p:nvSpPr>
-        <p:spPr>
-          <a:xfrm>
-            <a:off x="6651309" y="3635056"/>
-            <a:ext cx="45719" cy="45721"/>
-          </a:xfrm>
-          <a:prstGeom prst="ellipse">
-            <a:avLst/>
-          </a:prstGeom>
-          <a:solidFill>
-            <a:srgbClr val="FFC000"/>
-          </a:solidFill>
-          <a:ln>
-            <a:solidFill>
-              <a:srgbClr val="FFFF00"/>
-            </a:solidFill>
-          </a:ln>
-        </p:spPr>
-        <p:style>
-          <a:lnRef idx="2">
-            <a:schemeClr val="accent1">
-              <a:shade val="15000"/>
-            </a:schemeClr>
-          </a:lnRef>
-          <a:fillRef idx="1">
-            <a:schemeClr val="accent1"/>
-          </a:fillRef>
-          <a:effectRef idx="0">
-            <a:schemeClr val="accent1"/>
-          </a:effectRef>
-          <a:fontRef idx="minor">
-            <a:schemeClr val="lt1"/>
-          </a:fontRef>
-        </p:style>
-        <p:txBody>
-          <a:bodyPr rtlCol="0" anchor="ctr"/>
-          <a:lstStyle/>
-          <a:p>
-            <a:pPr algn="ctr"/>
-            <a:endParaRPr lang="en-US" dirty="0"/>
-          </a:p>
-        </p:txBody>
-      </p:sp>
     </p:spTree>
     <p:extLst>
       <p:ext uri="{BB962C8B-B14F-4D97-AF65-F5344CB8AC3E}">
-        <p14:creationId xmlns:p14="http://schemas.microsoft.com/office/powerpoint/2010/main" val="2467429473"/>
+        <p14:creationId xmlns:p14="http://schemas.microsoft.com/office/powerpoint/2010/main" val="1772117277"/>
       </p:ext>
     </p:extLst>
   </p:cSld>
@@ -5201,6 +4809,553 @@
       </p:grpSpPr>
       <p:pic>
         <p:nvPicPr>
+          <p:cNvPr id="10" name="Picture 9">
+            <a:extLst>
+              <a:ext uri="{FF2B5EF4-FFF2-40B4-BE49-F238E27FC236}">
+                <a16:creationId xmlns:a16="http://schemas.microsoft.com/office/drawing/2014/main" id="{C0A5568E-75BF-9D76-F2B9-7A2BAA14A426}"/>
+              </a:ext>
+            </a:extLst>
+          </p:cNvPr>
+          <p:cNvPicPr>
+            <a:picLocks noChangeAspect="1"/>
+          </p:cNvPicPr>
+          <p:nvPr/>
+        </p:nvPicPr>
+        <p:blipFill>
+          <a:blip r:embed="rId2"/>
+          <a:srcRect l="21821" t="12876" r="23032" b="23986"/>
+          <a:stretch>
+            <a:fillRect/>
+          </a:stretch>
+        </p:blipFill>
+        <p:spPr>
+          <a:xfrm>
+            <a:off x="6024245" y="2999740"/>
+            <a:ext cx="924560" cy="591820"/>
+          </a:xfrm>
+          <a:prstGeom prst="rect">
+            <a:avLst/>
+          </a:prstGeom>
+        </p:spPr>
+      </p:pic>
+      <p:sp>
+        <p:nvSpPr>
+          <p:cNvPr id="11" name="Rectangle 10">
+            <a:extLst>
+              <a:ext uri="{FF2B5EF4-FFF2-40B4-BE49-F238E27FC236}">
+                <a16:creationId xmlns:a16="http://schemas.microsoft.com/office/drawing/2014/main" id="{23EAAF5D-7BA6-18D2-3D87-BBB366CA6FB4}"/>
+              </a:ext>
+            </a:extLst>
+          </p:cNvPr>
+          <p:cNvSpPr/>
+          <p:nvPr/>
+        </p:nvSpPr>
+        <p:spPr>
+          <a:xfrm>
+            <a:off x="6189345" y="2849880"/>
+            <a:ext cx="49530" cy="920115"/>
+          </a:xfrm>
+          <a:prstGeom prst="rect">
+            <a:avLst/>
+          </a:prstGeom>
+          <a:solidFill>
+            <a:schemeClr val="accent2"/>
+          </a:solidFill>
+          <a:ln>
+            <a:solidFill>
+              <a:schemeClr val="accent2"/>
+            </a:solidFill>
+          </a:ln>
+        </p:spPr>
+        <p:style>
+          <a:lnRef idx="2">
+            <a:schemeClr val="accent1">
+              <a:shade val="15000"/>
+            </a:schemeClr>
+          </a:lnRef>
+          <a:fillRef idx="1">
+            <a:schemeClr val="accent1"/>
+          </a:fillRef>
+          <a:effectRef idx="0">
+            <a:schemeClr val="accent1"/>
+          </a:effectRef>
+          <a:fontRef idx="minor">
+            <a:schemeClr val="lt1"/>
+          </a:fontRef>
+        </p:style>
+        <p:txBody>
+          <a:bodyPr rtlCol="0" anchor="ctr"/>
+          <a:lstStyle/>
+          <a:p>
+            <a:pPr algn="ctr"/>
+            <a:endParaRPr lang="en-US"/>
+          </a:p>
+        </p:txBody>
+      </p:sp>
+      <p:sp>
+        <p:nvSpPr>
+          <p:cNvPr id="12" name="Rectangle 11">
+            <a:extLst>
+              <a:ext uri="{FF2B5EF4-FFF2-40B4-BE49-F238E27FC236}">
+                <a16:creationId xmlns:a16="http://schemas.microsoft.com/office/drawing/2014/main" id="{51396FEB-81BA-CA0F-0656-6F52634D24FC}"/>
+              </a:ext>
+            </a:extLst>
+          </p:cNvPr>
+          <p:cNvSpPr/>
+          <p:nvPr/>
+        </p:nvSpPr>
+        <p:spPr>
+          <a:xfrm>
+            <a:off x="6278880" y="2930842"/>
+            <a:ext cx="45719" cy="849313"/>
+          </a:xfrm>
+          <a:prstGeom prst="rect">
+            <a:avLst/>
+          </a:prstGeom>
+          <a:solidFill>
+            <a:schemeClr val="accent2"/>
+          </a:solidFill>
+          <a:ln>
+            <a:solidFill>
+              <a:schemeClr val="accent2"/>
+            </a:solidFill>
+          </a:ln>
+        </p:spPr>
+        <p:style>
+          <a:lnRef idx="2">
+            <a:schemeClr val="accent1">
+              <a:shade val="15000"/>
+            </a:schemeClr>
+          </a:lnRef>
+          <a:fillRef idx="1">
+            <a:schemeClr val="accent1"/>
+          </a:fillRef>
+          <a:effectRef idx="0">
+            <a:schemeClr val="accent1"/>
+          </a:effectRef>
+          <a:fontRef idx="minor">
+            <a:schemeClr val="lt1"/>
+          </a:fontRef>
+        </p:style>
+        <p:txBody>
+          <a:bodyPr rtlCol="0" anchor="ctr"/>
+          <a:lstStyle/>
+          <a:p>
+            <a:pPr algn="ctr"/>
+            <a:endParaRPr lang="en-US"/>
+          </a:p>
+        </p:txBody>
+      </p:sp>
+      <p:sp>
+        <p:nvSpPr>
+          <p:cNvPr id="13" name="Rectangle 12">
+            <a:extLst>
+              <a:ext uri="{FF2B5EF4-FFF2-40B4-BE49-F238E27FC236}">
+                <a16:creationId xmlns:a16="http://schemas.microsoft.com/office/drawing/2014/main" id="{7C771884-9CC0-F138-EF8A-B2A4B0F642D4}"/>
+              </a:ext>
+            </a:extLst>
+          </p:cNvPr>
+          <p:cNvSpPr/>
+          <p:nvPr/>
+        </p:nvSpPr>
+        <p:spPr>
+          <a:xfrm>
+            <a:off x="6654165" y="2925129"/>
+            <a:ext cx="45719" cy="766762"/>
+          </a:xfrm>
+          <a:prstGeom prst="rect">
+            <a:avLst/>
+          </a:prstGeom>
+          <a:solidFill>
+            <a:schemeClr val="accent2"/>
+          </a:solidFill>
+          <a:ln>
+            <a:solidFill>
+              <a:schemeClr val="accent2"/>
+            </a:solidFill>
+          </a:ln>
+        </p:spPr>
+        <p:style>
+          <a:lnRef idx="2">
+            <a:schemeClr val="accent1">
+              <a:shade val="15000"/>
+            </a:schemeClr>
+          </a:lnRef>
+          <a:fillRef idx="1">
+            <a:schemeClr val="accent1"/>
+          </a:fillRef>
+          <a:effectRef idx="0">
+            <a:schemeClr val="accent1"/>
+          </a:effectRef>
+          <a:fontRef idx="minor">
+            <a:schemeClr val="lt1"/>
+          </a:fontRef>
+        </p:style>
+        <p:txBody>
+          <a:bodyPr rtlCol="0" anchor="ctr"/>
+          <a:lstStyle/>
+          <a:p>
+            <a:pPr algn="ctr"/>
+            <a:endParaRPr lang="en-US"/>
+          </a:p>
+        </p:txBody>
+      </p:sp>
+      <p:sp>
+        <p:nvSpPr>
+          <p:cNvPr id="14" name="Rectangle 13">
+            <a:extLst>
+              <a:ext uri="{FF2B5EF4-FFF2-40B4-BE49-F238E27FC236}">
+                <a16:creationId xmlns:a16="http://schemas.microsoft.com/office/drawing/2014/main" id="{CA6BDAE7-818B-4960-9A1E-5F122B24F0F6}"/>
+              </a:ext>
+            </a:extLst>
+          </p:cNvPr>
+          <p:cNvSpPr/>
+          <p:nvPr/>
+        </p:nvSpPr>
+        <p:spPr>
+          <a:xfrm>
+            <a:off x="6739890" y="2849880"/>
+            <a:ext cx="49530" cy="920115"/>
+          </a:xfrm>
+          <a:prstGeom prst="rect">
+            <a:avLst/>
+          </a:prstGeom>
+          <a:solidFill>
+            <a:schemeClr val="accent2"/>
+          </a:solidFill>
+          <a:ln>
+            <a:solidFill>
+              <a:schemeClr val="accent2"/>
+            </a:solidFill>
+          </a:ln>
+        </p:spPr>
+        <p:style>
+          <a:lnRef idx="2">
+            <a:schemeClr val="accent1">
+              <a:shade val="15000"/>
+            </a:schemeClr>
+          </a:lnRef>
+          <a:fillRef idx="1">
+            <a:schemeClr val="accent1"/>
+          </a:fillRef>
+          <a:effectRef idx="0">
+            <a:schemeClr val="accent1"/>
+          </a:effectRef>
+          <a:fontRef idx="minor">
+            <a:schemeClr val="lt1"/>
+          </a:fontRef>
+        </p:style>
+        <p:txBody>
+          <a:bodyPr rtlCol="0" anchor="ctr"/>
+          <a:lstStyle/>
+          <a:p>
+            <a:pPr algn="ctr"/>
+            <a:endParaRPr lang="en-US"/>
+          </a:p>
+        </p:txBody>
+      </p:sp>
+      <p:sp>
+        <p:nvSpPr>
+          <p:cNvPr id="15" name="Rectangle 14">
+            <a:extLst>
+              <a:ext uri="{FF2B5EF4-FFF2-40B4-BE49-F238E27FC236}">
+                <a16:creationId xmlns:a16="http://schemas.microsoft.com/office/drawing/2014/main" id="{C45213BD-49CA-35C8-17D6-CACC71CD984F}"/>
+              </a:ext>
+            </a:extLst>
+          </p:cNvPr>
+          <p:cNvSpPr/>
+          <p:nvPr/>
+        </p:nvSpPr>
+        <p:spPr>
+          <a:xfrm rot="5400000">
+            <a:off x="6466045" y="2737963"/>
+            <a:ext cx="46674" cy="421005"/>
+          </a:xfrm>
+          <a:prstGeom prst="rect">
+            <a:avLst/>
+          </a:prstGeom>
+          <a:solidFill>
+            <a:schemeClr val="accent2"/>
+          </a:solidFill>
+          <a:ln>
+            <a:solidFill>
+              <a:schemeClr val="accent2"/>
+            </a:solidFill>
+          </a:ln>
+        </p:spPr>
+        <p:style>
+          <a:lnRef idx="2">
+            <a:schemeClr val="accent1">
+              <a:shade val="15000"/>
+            </a:schemeClr>
+          </a:lnRef>
+          <a:fillRef idx="1">
+            <a:schemeClr val="accent1"/>
+          </a:fillRef>
+          <a:effectRef idx="0">
+            <a:schemeClr val="accent1"/>
+          </a:effectRef>
+          <a:fontRef idx="minor">
+            <a:schemeClr val="lt1"/>
+          </a:fontRef>
+        </p:style>
+        <p:txBody>
+          <a:bodyPr rtlCol="0" anchor="ctr"/>
+          <a:lstStyle/>
+          <a:p>
+            <a:pPr algn="ctr"/>
+            <a:endParaRPr lang="en-US" dirty="0"/>
+          </a:p>
+        </p:txBody>
+      </p:sp>
+      <p:sp>
+        <p:nvSpPr>
+          <p:cNvPr id="16" name="Rectangle 15">
+            <a:extLst>
+              <a:ext uri="{FF2B5EF4-FFF2-40B4-BE49-F238E27FC236}">
+                <a16:creationId xmlns:a16="http://schemas.microsoft.com/office/drawing/2014/main" id="{3F26D43D-05E9-3309-E8F8-40F4C555F107}"/>
+              </a:ext>
+            </a:extLst>
+          </p:cNvPr>
+          <p:cNvSpPr/>
+          <p:nvPr/>
+        </p:nvSpPr>
+        <p:spPr>
+          <a:xfrm rot="5400000">
+            <a:off x="6466522" y="2563972"/>
+            <a:ext cx="45719" cy="600075"/>
+          </a:xfrm>
+          <a:prstGeom prst="rect">
+            <a:avLst/>
+          </a:prstGeom>
+          <a:solidFill>
+            <a:schemeClr val="accent2"/>
+          </a:solidFill>
+          <a:ln>
+            <a:solidFill>
+              <a:schemeClr val="accent2"/>
+            </a:solidFill>
+          </a:ln>
+        </p:spPr>
+        <p:style>
+          <a:lnRef idx="2">
+            <a:schemeClr val="accent1">
+              <a:shade val="15000"/>
+            </a:schemeClr>
+          </a:lnRef>
+          <a:fillRef idx="1">
+            <a:schemeClr val="accent1"/>
+          </a:fillRef>
+          <a:effectRef idx="0">
+            <a:schemeClr val="accent1"/>
+          </a:effectRef>
+          <a:fontRef idx="minor">
+            <a:schemeClr val="lt1"/>
+          </a:fontRef>
+        </p:style>
+        <p:txBody>
+          <a:bodyPr rtlCol="0" anchor="ctr"/>
+          <a:lstStyle/>
+          <a:p>
+            <a:pPr algn="ctr"/>
+            <a:endParaRPr lang="en-US" dirty="0"/>
+          </a:p>
+        </p:txBody>
+      </p:sp>
+      <p:sp>
+        <p:nvSpPr>
+          <p:cNvPr id="17" name="Rectangle 16">
+            <a:extLst>
+              <a:ext uri="{FF2B5EF4-FFF2-40B4-BE49-F238E27FC236}">
+                <a16:creationId xmlns:a16="http://schemas.microsoft.com/office/drawing/2014/main" id="{CBEDB1D9-894B-BC88-DED1-01428DFFF73D}"/>
+              </a:ext>
+            </a:extLst>
+          </p:cNvPr>
+          <p:cNvSpPr/>
+          <p:nvPr/>
+        </p:nvSpPr>
+        <p:spPr>
+          <a:xfrm rot="5400000">
+            <a:off x="6518910" y="3509645"/>
+            <a:ext cx="45719" cy="495300"/>
+          </a:xfrm>
+          <a:prstGeom prst="rect">
+            <a:avLst/>
+          </a:prstGeom>
+          <a:solidFill>
+            <a:schemeClr val="accent2"/>
+          </a:solidFill>
+          <a:ln>
+            <a:solidFill>
+              <a:schemeClr val="accent2"/>
+            </a:solidFill>
+          </a:ln>
+        </p:spPr>
+        <p:style>
+          <a:lnRef idx="2">
+            <a:schemeClr val="accent1">
+              <a:shade val="15000"/>
+            </a:schemeClr>
+          </a:lnRef>
+          <a:fillRef idx="1">
+            <a:schemeClr val="accent1"/>
+          </a:fillRef>
+          <a:effectRef idx="0">
+            <a:schemeClr val="accent1"/>
+          </a:effectRef>
+          <a:fontRef idx="minor">
+            <a:schemeClr val="lt1"/>
+          </a:fontRef>
+        </p:style>
+        <p:txBody>
+          <a:bodyPr rtlCol="0" anchor="ctr"/>
+          <a:lstStyle/>
+          <a:p>
+            <a:pPr algn="ctr"/>
+            <a:endParaRPr lang="en-US" dirty="0"/>
+          </a:p>
+        </p:txBody>
+      </p:sp>
+      <p:sp>
+        <p:nvSpPr>
+          <p:cNvPr id="21" name="Oval 20">
+            <a:extLst>
+              <a:ext uri="{FF2B5EF4-FFF2-40B4-BE49-F238E27FC236}">
+                <a16:creationId xmlns:a16="http://schemas.microsoft.com/office/drawing/2014/main" id="{B2758C4C-760D-C26A-42FF-D7148F1B4DF6}"/>
+              </a:ext>
+            </a:extLst>
+          </p:cNvPr>
+          <p:cNvSpPr/>
+          <p:nvPr/>
+        </p:nvSpPr>
+        <p:spPr>
+          <a:xfrm>
+            <a:off x="6190299" y="3724274"/>
+            <a:ext cx="45719" cy="45721"/>
+          </a:xfrm>
+          <a:prstGeom prst="ellipse">
+            <a:avLst/>
+          </a:prstGeom>
+          <a:solidFill>
+            <a:srgbClr val="FFC000"/>
+          </a:solidFill>
+          <a:ln>
+            <a:solidFill>
+              <a:srgbClr val="FFFF00"/>
+            </a:solidFill>
+          </a:ln>
+        </p:spPr>
+        <p:style>
+          <a:lnRef idx="2">
+            <a:schemeClr val="accent1">
+              <a:shade val="15000"/>
+            </a:schemeClr>
+          </a:lnRef>
+          <a:fillRef idx="1">
+            <a:schemeClr val="accent1"/>
+          </a:fillRef>
+          <a:effectRef idx="0">
+            <a:schemeClr val="accent1"/>
+          </a:effectRef>
+          <a:fontRef idx="minor">
+            <a:schemeClr val="lt1"/>
+          </a:fontRef>
+        </p:style>
+        <p:txBody>
+          <a:bodyPr rtlCol="0" anchor="ctr"/>
+          <a:lstStyle/>
+          <a:p>
+            <a:pPr algn="ctr"/>
+            <a:endParaRPr lang="en-US" dirty="0"/>
+          </a:p>
+        </p:txBody>
+      </p:sp>
+      <p:sp>
+        <p:nvSpPr>
+          <p:cNvPr id="22" name="Oval 21">
+            <a:extLst>
+              <a:ext uri="{FF2B5EF4-FFF2-40B4-BE49-F238E27FC236}">
+                <a16:creationId xmlns:a16="http://schemas.microsoft.com/office/drawing/2014/main" id="{C261E8C7-609F-514C-F419-51F5B7AF1294}"/>
+              </a:ext>
+            </a:extLst>
+          </p:cNvPr>
+          <p:cNvSpPr/>
+          <p:nvPr/>
+        </p:nvSpPr>
+        <p:spPr>
+          <a:xfrm>
+            <a:off x="6651309" y="3635056"/>
+            <a:ext cx="45719" cy="45721"/>
+          </a:xfrm>
+          <a:prstGeom prst="ellipse">
+            <a:avLst/>
+          </a:prstGeom>
+          <a:solidFill>
+            <a:srgbClr val="FFC000"/>
+          </a:solidFill>
+          <a:ln>
+            <a:solidFill>
+              <a:srgbClr val="FFFF00"/>
+            </a:solidFill>
+          </a:ln>
+        </p:spPr>
+        <p:style>
+          <a:lnRef idx="2">
+            <a:schemeClr val="accent1">
+              <a:shade val="15000"/>
+            </a:schemeClr>
+          </a:lnRef>
+          <a:fillRef idx="1">
+            <a:schemeClr val="accent1"/>
+          </a:fillRef>
+          <a:effectRef idx="0">
+            <a:schemeClr val="accent1"/>
+          </a:effectRef>
+          <a:fontRef idx="minor">
+            <a:schemeClr val="lt1"/>
+          </a:fontRef>
+        </p:style>
+        <p:txBody>
+          <a:bodyPr rtlCol="0" anchor="ctr"/>
+          <a:lstStyle/>
+          <a:p>
+            <a:pPr algn="ctr"/>
+            <a:endParaRPr lang="en-US" dirty="0"/>
+          </a:p>
+        </p:txBody>
+      </p:sp>
+    </p:spTree>
+    <p:extLst>
+      <p:ext uri="{BB962C8B-B14F-4D97-AF65-F5344CB8AC3E}">
+        <p14:creationId xmlns:p14="http://schemas.microsoft.com/office/powerpoint/2010/main" val="2467429473"/>
+      </p:ext>
+    </p:extLst>
+  </p:cSld>
+  <p:clrMapOvr>
+    <a:masterClrMapping/>
+  </p:clrMapOvr>
+</p:sld>
+</file>
+
+<file path=ppt/slides/slide8.xml><?xml version="1.0" encoding="utf-8"?>
+<p:sld xmlns:a="http://schemas.openxmlformats.org/drawingml/2006/main" xmlns:r="http://schemas.openxmlformats.org/officeDocument/2006/relationships" xmlns:p="http://schemas.openxmlformats.org/presentationml/2006/main">
+  <p:cSld>
+    <p:spTree>
+      <p:nvGrpSpPr>
+        <p:cNvPr id="1" name=""/>
+        <p:cNvGrpSpPr/>
+        <p:nvPr/>
+      </p:nvGrpSpPr>
+      <p:grpSpPr>
+        <a:xfrm>
+          <a:off x="0" y="0"/>
+          <a:ext cx="0" cy="0"/>
+          <a:chOff x="0" y="0"/>
+          <a:chExt cx="0" cy="0"/>
+        </a:xfrm>
+      </p:grpSpPr>
+      <p:pic>
+        <p:nvPicPr>
           <p:cNvPr id="7" name="Picture 6">
             <a:extLst>
               <a:ext uri="{FF2B5EF4-FFF2-40B4-BE49-F238E27FC236}">
@@ -5722,7 +5877,7 @@
 </p:sld>
 </file>
 
-<file path=ppt/slides/slide8.xml><?xml version="1.0" encoding="utf-8"?>
+<file path=ppt/slides/slide9.xml><?xml version="1.0" encoding="utf-8"?>
 <p:sld xmlns:a="http://schemas.openxmlformats.org/drawingml/2006/main" xmlns:r="http://schemas.openxmlformats.org/officeDocument/2006/relationships" xmlns:p="http://schemas.openxmlformats.org/presentationml/2006/main">
   <p:cSld>
     <p:spTree>
